--- a/documents/set6/Presentation6.pptx
+++ b/documents/set6/Presentation6.pptx
@@ -4296,7 +4296,6 @@
               <a:rPr lang="en-US" dirty="0" smtClean="0"/>
               <a:t>debugging. </a:t>
             </a:r>
-            <a:endParaRPr lang="en-US" dirty="0" smtClean="0"/>
           </a:p>
           <a:p>
             <a:pPr marL="292608" lvl="1" indent="0">
@@ -4311,11 +4310,7 @@
             </a:r>
             <a:r>
               <a:rPr lang="en-US" dirty="0"/>
-              <a:t>sure that the algorithm is selected first before uploading a file.</a:t>
-            </a:r>
-            <a:r>
-              <a:rPr lang="en-US" dirty="0"/>
-              <a:t> </a:t>
+              <a:t>sure that the algorithm is selected first before uploading a file. </a:t>
             </a:r>
             <a:endParaRPr lang="en-US" dirty="0" smtClean="0"/>
           </a:p>
@@ -4381,11 +4376,7 @@
             </a:pPr>
             <a:r>
               <a:rPr lang="en-US" dirty="0"/>
-              <a:t>In the sprint tasks document, task #31 has inconsistent dates</a:t>
-            </a:r>
-            <a:r>
-              <a:rPr lang="en-US" dirty="0"/>
-              <a:t> </a:t>
+              <a:t>In the sprint tasks document, task #31 has inconsistent dates </a:t>
             </a:r>
             <a:r>
               <a:rPr lang="en-US" dirty="0" smtClean="0"/>
@@ -4411,7 +4402,6 @@
               <a:rPr lang="en-US" dirty="0" smtClean="0"/>
               <a:t>5. </a:t>
             </a:r>
-            <a:endParaRPr lang="en-US" dirty="0" smtClean="0"/>
           </a:p>
           <a:p>
             <a:pPr marL="0" indent="0">
@@ -4736,7 +4726,7 @@
           <p:nvPr>
             <p:extLst>
               <p:ext uri="{386F3935-93C4-4BCD-93E2-E3B085C9AB24}">
-                <p16:designElem xmlns:p16="http://schemas.microsoft.com/office/powerpoint/2015/main" xmlns="" val="1"/>
+                <p16:designElem xmlns="" xmlns:p16="http://schemas.microsoft.com/office/powerpoint/2015/main" val="1"/>
               </p:ext>
             </p:extLst>
           </p:nvPr>
@@ -4774,7 +4764,7 @@
           <a:lstStyle/>
           <a:p>
             <a:pPr algn="ctr"/>
-            <a:endParaRPr lang="en-US"/>
+            <a:endParaRPr lang="en-US" dirty="0"/>
           </a:p>
         </p:txBody>
       </p:sp>
@@ -4787,7 +4777,7 @@
           <p:nvPr>
             <p:extLst>
               <p:ext uri="{386F3935-93C4-4BCD-93E2-E3B085C9AB24}">
-                <p16:designElem xmlns:p16="http://schemas.microsoft.com/office/powerpoint/2015/main" xmlns="" val="1"/>
+                <p16:designElem xmlns="" xmlns:p16="http://schemas.microsoft.com/office/powerpoint/2015/main" val="1"/>
               </p:ext>
             </p:extLst>
           </p:nvPr>
@@ -4833,7 +4823,7 @@
           <p:nvPr>
             <p:extLst>
               <p:ext uri="{386F3935-93C4-4BCD-93E2-E3B085C9AB24}">
-                <p16:designElem xmlns:p16="http://schemas.microsoft.com/office/powerpoint/2015/main" xmlns="" val="1"/>
+                <p16:designElem xmlns="" xmlns:p16="http://schemas.microsoft.com/office/powerpoint/2015/main" val="1"/>
               </p:ext>
             </p:extLst>
           </p:nvPr>
@@ -4945,6 +4935,36 @@
           </a:p>
         </p:txBody>
       </p:sp>
+      <p:pic>
+        <p:nvPicPr>
+          <p:cNvPr id="4" name="Picture 3"/>
+          <p:cNvPicPr>
+            <a:picLocks noChangeAspect="1"/>
+          </p:cNvPicPr>
+          <p:nvPr/>
+        </p:nvPicPr>
+        <p:blipFill>
+          <a:blip r:embed="rId2">
+            <a:extLst>
+              <a:ext uri="{28A0092B-C50C-407E-A947-70E740481C1C}">
+                <a14:useLocalDpi xmlns:a14="http://schemas.microsoft.com/office/drawing/2010/main" val="0"/>
+              </a:ext>
+            </a:extLst>
+          </a:blip>
+          <a:stretch>
+            <a:fillRect/>
+          </a:stretch>
+        </p:blipFill>
+        <p:spPr>
+          <a:xfrm>
+            <a:off x="3577213" y="516835"/>
+            <a:ext cx="8635737" cy="5630747"/>
+          </a:xfrm>
+          <a:prstGeom prst="rect">
+            <a:avLst/>
+          </a:prstGeom>
+        </p:spPr>
+      </p:pic>
     </p:spTree>
     <p:extLst>
       <p:ext uri="{BB962C8B-B14F-4D97-AF65-F5344CB8AC3E}">
@@ -4984,7 +5004,7 @@
           <p:nvPr>
             <p:extLst>
               <p:ext uri="{386F3935-93C4-4BCD-93E2-E3B085C9AB24}">
-                <p16:designElem xmlns:p16="http://schemas.microsoft.com/office/powerpoint/2015/main" xmlns="" val="1"/>
+                <p16:designElem xmlns="" xmlns:p16="http://schemas.microsoft.com/office/powerpoint/2015/main" val="1"/>
               </p:ext>
             </p:extLst>
           </p:nvPr>
@@ -5035,7 +5055,7 @@
           <p:nvPr>
             <p:extLst>
               <p:ext uri="{386F3935-93C4-4BCD-93E2-E3B085C9AB24}">
-                <p16:designElem xmlns:p16="http://schemas.microsoft.com/office/powerpoint/2015/main" xmlns="" val="1"/>
+                <p16:designElem xmlns="" xmlns:p16="http://schemas.microsoft.com/office/powerpoint/2015/main" val="1"/>
               </p:ext>
             </p:extLst>
           </p:nvPr>
@@ -5081,7 +5101,7 @@
           <p:nvPr>
             <p:extLst>
               <p:ext uri="{386F3935-93C4-4BCD-93E2-E3B085C9AB24}">
-                <p16:designElem xmlns:p16="http://schemas.microsoft.com/office/powerpoint/2015/main" xmlns="" val="1"/>
+                <p16:designElem xmlns="" xmlns:p16="http://schemas.microsoft.com/office/powerpoint/2015/main" val="1"/>
               </p:ext>
             </p:extLst>
           </p:nvPr>
@@ -5303,7 +5323,7 @@
           <p:nvPr>
             <p:extLst>
               <p:ext uri="{386F3935-93C4-4BCD-93E2-E3B085C9AB24}">
-                <p16:designElem xmlns:p16="http://schemas.microsoft.com/office/powerpoint/2015/main" xmlns="" val="1"/>
+                <p16:designElem xmlns="" xmlns:p16="http://schemas.microsoft.com/office/powerpoint/2015/main" val="1"/>
               </p:ext>
             </p:extLst>
           </p:nvPr>
@@ -5354,7 +5374,7 @@
           <p:nvPr>
             <p:extLst>
               <p:ext uri="{386F3935-93C4-4BCD-93E2-E3B085C9AB24}">
-                <p16:designElem xmlns:p16="http://schemas.microsoft.com/office/powerpoint/2015/main" xmlns="" val="1"/>
+                <p16:designElem xmlns="" xmlns:p16="http://schemas.microsoft.com/office/powerpoint/2015/main" val="1"/>
               </p:ext>
             </p:extLst>
           </p:nvPr>
@@ -5400,7 +5420,7 @@
           <p:nvPr>
             <p:extLst>
               <p:ext uri="{386F3935-93C4-4BCD-93E2-E3B085C9AB24}">
-                <p16:designElem xmlns:p16="http://schemas.microsoft.com/office/powerpoint/2015/main" xmlns="" val="1"/>
+                <p16:designElem xmlns="" xmlns:p16="http://schemas.microsoft.com/office/powerpoint/2015/main" val="1"/>
               </p:ext>
             </p:extLst>
           </p:nvPr>
@@ -5615,7 +5635,7 @@
           <p:nvPr>
             <p:extLst>
               <p:ext uri="{386F3935-93C4-4BCD-93E2-E3B085C9AB24}">
-                <p16:designElem xmlns:p16="http://schemas.microsoft.com/office/powerpoint/2015/main" xmlns="" val="1"/>
+                <p16:designElem xmlns="" xmlns:p16="http://schemas.microsoft.com/office/powerpoint/2015/main" val="1"/>
               </p:ext>
             </p:extLst>
           </p:nvPr>
@@ -5666,7 +5686,7 @@
           <p:nvPr>
             <p:extLst>
               <p:ext uri="{386F3935-93C4-4BCD-93E2-E3B085C9AB24}">
-                <p16:designElem xmlns:p16="http://schemas.microsoft.com/office/powerpoint/2015/main" xmlns="" val="1"/>
+                <p16:designElem xmlns="" xmlns:p16="http://schemas.microsoft.com/office/powerpoint/2015/main" val="1"/>
               </p:ext>
             </p:extLst>
           </p:nvPr>
@@ -5712,7 +5732,7 @@
           <p:nvPr>
             <p:extLst>
               <p:ext uri="{386F3935-93C4-4BCD-93E2-E3B085C9AB24}">
-                <p16:designElem xmlns:p16="http://schemas.microsoft.com/office/powerpoint/2015/main" xmlns="" val="1"/>
+                <p16:designElem xmlns="" xmlns:p16="http://schemas.microsoft.com/office/powerpoint/2015/main" val="1"/>
               </p:ext>
             </p:extLst>
           </p:nvPr>

--- a/documents/set6/Presentation6.pptx
+++ b/documents/set6/Presentation6.pptx
@@ -13,9 +13,9 @@
     <p:sldId id="266" r:id="rId4"/>
     <p:sldId id="271" r:id="rId5"/>
     <p:sldId id="273" r:id="rId6"/>
-    <p:sldId id="269" r:id="rId7"/>
-    <p:sldId id="274" r:id="rId8"/>
-    <p:sldId id="275" r:id="rId9"/>
+    <p:sldId id="276" r:id="rId7"/>
+    <p:sldId id="269" r:id="rId8"/>
+    <p:sldId id="277" r:id="rId9"/>
   </p:sldIdLst>
   <p:sldSz cx="12192000" cy="6858000"/>
   <p:notesSz cx="6858000" cy="9144000"/>
@@ -4719,14 +4719,14 @@
       </p:grpSpPr>
       <p:sp useBgFill="1">
         <p:nvSpPr>
-          <p:cNvPr id="43" name="Rectangle 42"/>
+          <p:cNvPr id="61" name="Rectangle 60"/>
           <p:cNvSpPr>
             <a:spLocks noGrp="1" noRot="1" noChangeAspect="1" noMove="1" noResize="1" noEditPoints="1" noAdjustHandles="1" noChangeArrowheads="1" noChangeShapeType="1" noTextEdit="1"/>
           </p:cNvSpPr>
           <p:nvPr>
             <p:extLst>
               <p:ext uri="{386F3935-93C4-4BCD-93E2-E3B085C9AB24}">
-                <p16:designElem xmlns="" xmlns:p16="http://schemas.microsoft.com/office/powerpoint/2015/main" val="1"/>
+                <p16:designElem xmlns:p16="http://schemas.microsoft.com/office/powerpoint/2015/main" val="1"/>
               </p:ext>
             </p:extLst>
           </p:nvPr>
@@ -4764,20 +4764,20 @@
           <a:lstStyle/>
           <a:p>
             <a:pPr algn="ctr"/>
-            <a:endParaRPr lang="en-US" dirty="0"/>
+            <a:endParaRPr lang="en-US"/>
           </a:p>
         </p:txBody>
       </p:sp>
       <p:sp>
         <p:nvSpPr>
-          <p:cNvPr id="45" name="Rectangle 44"/>
+          <p:cNvPr id="63" name="Rectangle 62"/>
           <p:cNvSpPr>
             <a:spLocks noGrp="1" noRot="1" noChangeAspect="1" noMove="1" noResize="1" noEditPoints="1" noAdjustHandles="1" noChangeArrowheads="1" noChangeShapeType="1" noTextEdit="1"/>
           </p:cNvSpPr>
           <p:nvPr>
             <p:extLst>
               <p:ext uri="{386F3935-93C4-4BCD-93E2-E3B085C9AB24}">
-                <p16:designElem xmlns="" xmlns:p16="http://schemas.microsoft.com/office/powerpoint/2015/main" val="1"/>
+                <p16:designElem xmlns:p16="http://schemas.microsoft.com/office/powerpoint/2015/main" val="1"/>
               </p:ext>
             </p:extLst>
           </p:nvPr>
@@ -4816,14 +4816,14 @@
       </p:sp>
       <p:sp>
         <p:nvSpPr>
-          <p:cNvPr id="47" name="Rectangle 46"/>
+          <p:cNvPr id="65" name="Rectangle 64"/>
           <p:cNvSpPr>
             <a:spLocks noGrp="1" noRot="1" noChangeAspect="1" noMove="1" noResize="1" noEditPoints="1" noAdjustHandles="1" noChangeArrowheads="1" noChangeShapeType="1" noTextEdit="1"/>
           </p:cNvSpPr>
           <p:nvPr>
             <p:extLst>
               <p:ext uri="{386F3935-93C4-4BCD-93E2-E3B085C9AB24}">
-                <p16:designElem xmlns="" xmlns:p16="http://schemas.microsoft.com/office/powerpoint/2015/main" val="1"/>
+                <p16:designElem xmlns:p16="http://schemas.microsoft.com/office/powerpoint/2015/main" val="1"/>
               </p:ext>
             </p:extLst>
           </p:nvPr>
@@ -4920,14 +4920,14 @@
           </a:bodyPr>
           <a:lstStyle/>
           <a:p>
-            <a:endParaRPr lang="en-US" sz="1500" dirty="0">
+            <a:endParaRPr lang="en-US" sz="1500">
               <a:solidFill>
                 <a:srgbClr val="FFFFFF"/>
               </a:solidFill>
             </a:endParaRPr>
           </a:p>
           <a:p>
-            <a:endParaRPr lang="en-US" sz="1500" dirty="0">
+            <a:endParaRPr lang="en-US" sz="1500">
               <a:solidFill>
                 <a:srgbClr val="FFFFFF"/>
               </a:solidFill>
@@ -4935,40 +4935,1511 @@
           </a:p>
         </p:txBody>
       </p:sp>
-      <p:pic>
-        <p:nvPicPr>
-          <p:cNvPr id="4" name="Picture 3"/>
-          <p:cNvPicPr>
-            <a:picLocks noChangeAspect="1"/>
-          </p:cNvPicPr>
-          <p:nvPr/>
-        </p:nvPicPr>
-        <p:blipFill>
-          <a:blip r:embed="rId2">
-            <a:extLst>
-              <a:ext uri="{28A0092B-C50C-407E-A947-70E740481C1C}">
-                <a14:useLocalDpi xmlns:a14="http://schemas.microsoft.com/office/drawing/2010/main" val="0"/>
-              </a:ext>
-            </a:extLst>
-          </a:blip>
-          <a:stretch>
-            <a:fillRect/>
-          </a:stretch>
-        </p:blipFill>
-        <p:spPr>
-          <a:xfrm>
-            <a:off x="3577213" y="516835"/>
-            <a:ext cx="8635737" cy="5630747"/>
-          </a:xfrm>
-          <a:prstGeom prst="rect">
-            <a:avLst/>
-          </a:prstGeom>
-        </p:spPr>
-      </p:pic>
+      <p:graphicFrame>
+        <p:nvGraphicFramePr>
+          <p:cNvPr id="7" name="Table 6"/>
+          <p:cNvGraphicFramePr>
+            <a:graphicFrameLocks noGrp="1"/>
+          </p:cNvGraphicFramePr>
+          <p:nvPr>
+            <p:extLst>
+              <p:ext uri="{D42A27DB-BD31-4B8C-83A1-F6EECF244321}">
+                <p14:modId xmlns:p14="http://schemas.microsoft.com/office/powerpoint/2010/main" val="1258375072"/>
+              </p:ext>
+            </p:extLst>
+          </p:nvPr>
+        </p:nvGraphicFramePr>
+        <p:xfrm>
+          <a:off x="4589838" y="516835"/>
+          <a:ext cx="7110717" cy="5468972"/>
+        </p:xfrm>
+        <a:graphic>
+          <a:graphicData uri="http://schemas.openxmlformats.org/drawingml/2006/table">
+            <a:tbl>
+              <a:tblPr firstRow="1" firstCol="1" bandRow="1">
+                <a:tableStyleId>{5C22544A-7EE6-4342-B048-85BDC9FD1C3A}</a:tableStyleId>
+              </a:tblPr>
+              <a:tblGrid>
+                <a:gridCol w="616133"/>
+                <a:gridCol w="668216"/>
+                <a:gridCol w="1805353"/>
+                <a:gridCol w="1184031"/>
+                <a:gridCol w="1105616"/>
+                <a:gridCol w="865684"/>
+                <a:gridCol w="865684"/>
+              </a:tblGrid>
+              <a:tr h="385042">
+                <a:tc>
+                  <a:txBody>
+                    <a:bodyPr/>
+                    <a:lstStyle/>
+                    <a:p>
+                      <a:pPr marL="0" marR="0" algn="l">
+                        <a:spcBef>
+                          <a:spcPts val="0"/>
+                        </a:spcBef>
+                        <a:spcAft>
+                          <a:spcPts val="0"/>
+                        </a:spcAft>
+                      </a:pPr>
+                      <a:r>
+                        <a:rPr lang="en-US" sz="1400" kern="0" dirty="0" smtClean="0">
+                          <a:effectLst/>
+                          <a:latin typeface="+mn-lt"/>
+                          <a:ea typeface="+mn-ea"/>
+                          <a:cs typeface="+mn-cs"/>
+                        </a:rPr>
+                        <a:t>S.NO.</a:t>
+                      </a:r>
+                      <a:endParaRPr lang="en-US" sz="1400" kern="100" dirty="0">
+                        <a:effectLst/>
+                        <a:latin typeface="+mn-lt"/>
+                        <a:ea typeface="宋体" charset="-122"/>
+                        <a:cs typeface="Times New Roman" charset="0"/>
+                      </a:endParaRPr>
+                    </a:p>
+                  </a:txBody>
+                  <a:tcPr marL="34654" marR="34654" marT="0" marB="0"/>
+                </a:tc>
+                <a:tc>
+                  <a:txBody>
+                    <a:bodyPr/>
+                    <a:lstStyle/>
+                    <a:p>
+                      <a:pPr marL="0" marR="0" algn="l">
+                        <a:spcBef>
+                          <a:spcPts val="0"/>
+                        </a:spcBef>
+                        <a:spcAft>
+                          <a:spcPts val="0"/>
+                        </a:spcAft>
+                      </a:pPr>
+                      <a:r>
+                        <a:rPr lang="en-US" sz="1400" kern="0" dirty="0">
+                          <a:effectLst/>
+                          <a:latin typeface="+mn-lt"/>
+                        </a:rPr>
+                        <a:t>User Story index</a:t>
+                      </a:r>
+                      <a:endParaRPr lang="en-US" sz="1400" kern="100" dirty="0">
+                        <a:effectLst/>
+                        <a:latin typeface="+mn-lt"/>
+                        <a:ea typeface="宋体" charset="-122"/>
+                        <a:cs typeface="Times New Roman" charset="0"/>
+                      </a:endParaRPr>
+                    </a:p>
+                  </a:txBody>
+                  <a:tcPr marL="34654" marR="34654" marT="0" marB="0"/>
+                </a:tc>
+                <a:tc>
+                  <a:txBody>
+                    <a:bodyPr/>
+                    <a:lstStyle/>
+                    <a:p>
+                      <a:pPr marL="0" marR="0" algn="l">
+                        <a:spcBef>
+                          <a:spcPts val="0"/>
+                        </a:spcBef>
+                        <a:spcAft>
+                          <a:spcPts val="0"/>
+                        </a:spcAft>
+                      </a:pPr>
+                      <a:r>
+                        <a:rPr lang="en-US" sz="1400" kern="0" dirty="0">
+                          <a:effectLst/>
+                          <a:latin typeface="+mn-lt"/>
+                        </a:rPr>
+                        <a:t>Task</a:t>
+                      </a:r>
+                      <a:endParaRPr lang="en-US" sz="1400" kern="100" dirty="0">
+                        <a:effectLst/>
+                        <a:latin typeface="+mn-lt"/>
+                        <a:ea typeface="宋体" charset="-122"/>
+                        <a:cs typeface="Times New Roman" charset="0"/>
+                      </a:endParaRPr>
+                    </a:p>
+                  </a:txBody>
+                  <a:tcPr marL="34654" marR="34654" marT="0" marB="0"/>
+                </a:tc>
+                <a:tc>
+                  <a:txBody>
+                    <a:bodyPr/>
+                    <a:lstStyle/>
+                    <a:p>
+                      <a:pPr marL="0" marR="0" algn="l">
+                        <a:spcBef>
+                          <a:spcPts val="0"/>
+                        </a:spcBef>
+                        <a:spcAft>
+                          <a:spcPts val="0"/>
+                        </a:spcAft>
+                      </a:pPr>
+                      <a:r>
+                        <a:rPr lang="en-US" sz="1400" kern="0">
+                          <a:effectLst/>
+                          <a:latin typeface="+mn-lt"/>
+                        </a:rPr>
+                        <a:t>Date introduced</a:t>
+                      </a:r>
+                      <a:endParaRPr lang="en-US" sz="1400" kern="100">
+                        <a:effectLst/>
+                        <a:latin typeface="+mn-lt"/>
+                        <a:ea typeface="宋体" charset="-122"/>
+                        <a:cs typeface="Times New Roman" charset="0"/>
+                      </a:endParaRPr>
+                    </a:p>
+                  </a:txBody>
+                  <a:tcPr marL="34654" marR="34654" marT="0" marB="0"/>
+                </a:tc>
+                <a:tc>
+                  <a:txBody>
+                    <a:bodyPr/>
+                    <a:lstStyle/>
+                    <a:p>
+                      <a:pPr marL="0" marR="0" algn="l">
+                        <a:spcBef>
+                          <a:spcPts val="0"/>
+                        </a:spcBef>
+                        <a:spcAft>
+                          <a:spcPts val="0"/>
+                        </a:spcAft>
+                      </a:pPr>
+                      <a:r>
+                        <a:rPr lang="en-US" sz="1400" kern="0">
+                          <a:effectLst/>
+                          <a:latin typeface="+mn-lt"/>
+                        </a:rPr>
+                        <a:t>Date considered for implementation</a:t>
+                      </a:r>
+                      <a:endParaRPr lang="en-US" sz="1400" kern="100">
+                        <a:effectLst/>
+                        <a:latin typeface="+mn-lt"/>
+                        <a:ea typeface="宋体" charset="-122"/>
+                        <a:cs typeface="Times New Roman" charset="0"/>
+                      </a:endParaRPr>
+                    </a:p>
+                  </a:txBody>
+                  <a:tcPr marL="34654" marR="34654" marT="0" marB="0"/>
+                </a:tc>
+                <a:tc>
+                  <a:txBody>
+                    <a:bodyPr/>
+                    <a:lstStyle/>
+                    <a:p>
+                      <a:pPr marL="0" marR="0" algn="l">
+                        <a:spcBef>
+                          <a:spcPts val="0"/>
+                        </a:spcBef>
+                        <a:spcAft>
+                          <a:spcPts val="0"/>
+                        </a:spcAft>
+                      </a:pPr>
+                      <a:r>
+                        <a:rPr lang="en-US" sz="1400" kern="0">
+                          <a:effectLst/>
+                          <a:latin typeface="+mn-lt"/>
+                        </a:rPr>
+                        <a:t>Date completed</a:t>
+                      </a:r>
+                      <a:endParaRPr lang="en-US" sz="1400" kern="100">
+                        <a:effectLst/>
+                        <a:latin typeface="+mn-lt"/>
+                        <a:ea typeface="宋体" charset="-122"/>
+                        <a:cs typeface="Times New Roman" charset="0"/>
+                      </a:endParaRPr>
+                    </a:p>
+                  </a:txBody>
+                  <a:tcPr marL="34654" marR="34654" marT="0" marB="0"/>
+                </a:tc>
+                <a:tc>
+                  <a:txBody>
+                    <a:bodyPr/>
+                    <a:lstStyle/>
+                    <a:p>
+                      <a:pPr marL="0" marR="0" algn="l">
+                        <a:spcBef>
+                          <a:spcPts val="0"/>
+                        </a:spcBef>
+                        <a:spcAft>
+                          <a:spcPts val="0"/>
+                        </a:spcAft>
+                      </a:pPr>
+                      <a:r>
+                        <a:rPr lang="en-US" sz="1400" kern="0">
+                          <a:effectLst/>
+                          <a:latin typeface="+mn-lt"/>
+                        </a:rPr>
+                        <a:t>Developer responsible for</a:t>
+                      </a:r>
+                      <a:endParaRPr lang="en-US" sz="1400" kern="100">
+                        <a:effectLst/>
+                        <a:latin typeface="+mn-lt"/>
+                        <a:ea typeface="宋体" charset="-122"/>
+                        <a:cs typeface="Times New Roman" charset="0"/>
+                      </a:endParaRPr>
+                    </a:p>
+                  </a:txBody>
+                  <a:tcPr marL="34654" marR="34654" marT="0" marB="0"/>
+                </a:tc>
+              </a:tr>
+              <a:tr h="847092">
+                <a:tc>
+                  <a:txBody>
+                    <a:bodyPr/>
+                    <a:lstStyle/>
+                    <a:p>
+                      <a:pPr marL="0" marR="0" algn="l">
+                        <a:spcBef>
+                          <a:spcPts val="0"/>
+                        </a:spcBef>
+                        <a:spcAft>
+                          <a:spcPts val="0"/>
+                        </a:spcAft>
+                      </a:pPr>
+                      <a:r>
+                        <a:rPr lang="en-US" sz="1400" b="1" kern="0" dirty="0">
+                          <a:solidFill>
+                            <a:schemeClr val="bg1"/>
+                          </a:solidFill>
+                          <a:effectLst/>
+                          <a:latin typeface="+mn-lt"/>
+                          <a:ea typeface="Times New Roman" charset="0"/>
+                          <a:cs typeface="Times New Roman" charset="0"/>
+                        </a:rPr>
+                        <a:t>38</a:t>
+                      </a:r>
+                      <a:endParaRPr lang="en-US" sz="1400" kern="100" dirty="0">
+                        <a:solidFill>
+                          <a:schemeClr val="bg1"/>
+                        </a:solidFill>
+                        <a:effectLst/>
+                        <a:latin typeface="+mn-lt"/>
+                        <a:ea typeface="宋体" charset="-122"/>
+                        <a:cs typeface="Times New Roman" charset="0"/>
+                      </a:endParaRPr>
+                    </a:p>
+                  </a:txBody>
+                  <a:tcPr marL="68580" marR="68580" marT="0" marB="0"/>
+                </a:tc>
+                <a:tc>
+                  <a:txBody>
+                    <a:bodyPr/>
+                    <a:lstStyle/>
+                    <a:p>
+                      <a:pPr marL="0" marR="0" algn="l">
+                        <a:spcBef>
+                          <a:spcPts val="0"/>
+                        </a:spcBef>
+                        <a:spcAft>
+                          <a:spcPts val="0"/>
+                        </a:spcAft>
+                      </a:pPr>
+                      <a:r>
+                        <a:rPr lang="en-US" sz="1400" b="0" kern="0" dirty="0">
+                          <a:solidFill>
+                            <a:srgbClr val="000000"/>
+                          </a:solidFill>
+                          <a:effectLst/>
+                          <a:latin typeface="+mn-lt"/>
+                          <a:ea typeface="Times New Roman" charset="0"/>
+                          <a:cs typeface="Times New Roman" charset="0"/>
+                        </a:rPr>
+                        <a:t>13</a:t>
+                      </a:r>
+                      <a:endParaRPr lang="en-US" sz="1400" b="0" kern="100" dirty="0">
+                        <a:effectLst/>
+                        <a:latin typeface="+mn-lt"/>
+                        <a:ea typeface="宋体" charset="-122"/>
+                        <a:cs typeface="Times New Roman" charset="0"/>
+                      </a:endParaRPr>
+                    </a:p>
+                  </a:txBody>
+                  <a:tcPr marL="68580" marR="68580" marT="0" marB="0"/>
+                </a:tc>
+                <a:tc>
+                  <a:txBody>
+                    <a:bodyPr/>
+                    <a:lstStyle/>
+                    <a:p>
+                      <a:pPr marL="0" marR="0" algn="l">
+                        <a:spcBef>
+                          <a:spcPts val="0"/>
+                        </a:spcBef>
+                        <a:spcAft>
+                          <a:spcPts val="0"/>
+                        </a:spcAft>
+                      </a:pPr>
+                      <a:r>
+                        <a:rPr lang="en-US" sz="1400" b="0" kern="0" dirty="0">
+                          <a:solidFill>
+                            <a:srgbClr val="000000"/>
+                          </a:solidFill>
+                          <a:effectLst/>
+                          <a:latin typeface="+mn-lt"/>
+                          <a:ea typeface="Times New Roman" charset="0"/>
+                          <a:cs typeface="Times New Roman" charset="0"/>
+                        </a:rPr>
+                        <a:t>Modify the display of current target</a:t>
+                      </a:r>
+                      <a:endParaRPr lang="en-US" sz="1400" b="0" kern="100" dirty="0">
+                        <a:effectLst/>
+                        <a:latin typeface="+mn-lt"/>
+                        <a:ea typeface="宋体" charset="-122"/>
+                        <a:cs typeface="Times New Roman" charset="0"/>
+                      </a:endParaRPr>
+                    </a:p>
+                  </a:txBody>
+                  <a:tcPr marL="68580" marR="68580" marT="0" marB="0"/>
+                </a:tc>
+                <a:tc>
+                  <a:txBody>
+                    <a:bodyPr/>
+                    <a:lstStyle/>
+                    <a:p>
+                      <a:pPr marL="0" marR="0" algn="l">
+                        <a:spcBef>
+                          <a:spcPts val="0"/>
+                        </a:spcBef>
+                        <a:spcAft>
+                          <a:spcPts val="0"/>
+                        </a:spcAft>
+                      </a:pPr>
+                      <a:r>
+                        <a:rPr lang="en-US" sz="1400" b="0" kern="0">
+                          <a:solidFill>
+                            <a:srgbClr val="000000"/>
+                          </a:solidFill>
+                          <a:effectLst/>
+                          <a:latin typeface="+mn-lt"/>
+                          <a:ea typeface="Times New Roman" charset="0"/>
+                          <a:cs typeface="Times New Roman" charset="0"/>
+                        </a:rPr>
+                        <a:t>Apr 21, 2017</a:t>
+                      </a:r>
+                      <a:endParaRPr lang="en-US" sz="1400" b="0" kern="100">
+                        <a:effectLst/>
+                        <a:latin typeface="+mn-lt"/>
+                        <a:ea typeface="宋体" charset="-122"/>
+                        <a:cs typeface="Times New Roman" charset="0"/>
+                      </a:endParaRPr>
+                    </a:p>
+                  </a:txBody>
+                  <a:tcPr marL="68580" marR="68580" marT="0" marB="0"/>
+                </a:tc>
+                <a:tc>
+                  <a:txBody>
+                    <a:bodyPr/>
+                    <a:lstStyle/>
+                    <a:p>
+                      <a:pPr marL="0" marR="0" algn="l">
+                        <a:spcBef>
+                          <a:spcPts val="0"/>
+                        </a:spcBef>
+                        <a:spcAft>
+                          <a:spcPts val="0"/>
+                        </a:spcAft>
+                      </a:pPr>
+                      <a:r>
+                        <a:rPr lang="en-US" sz="1400" b="0" kern="0">
+                          <a:solidFill>
+                            <a:srgbClr val="000000"/>
+                          </a:solidFill>
+                          <a:effectLst/>
+                          <a:latin typeface="+mn-lt"/>
+                          <a:ea typeface="Times New Roman" charset="0"/>
+                          <a:cs typeface="Times New Roman" charset="0"/>
+                        </a:rPr>
+                        <a:t>Apr 26, 2017</a:t>
+                      </a:r>
+                      <a:endParaRPr lang="en-US" sz="1400" b="0" kern="100">
+                        <a:effectLst/>
+                        <a:latin typeface="+mn-lt"/>
+                        <a:ea typeface="宋体" charset="-122"/>
+                        <a:cs typeface="Times New Roman" charset="0"/>
+                      </a:endParaRPr>
+                    </a:p>
+                  </a:txBody>
+                  <a:tcPr marL="68580" marR="68580" marT="0" marB="0"/>
+                </a:tc>
+                <a:tc>
+                  <a:txBody>
+                    <a:bodyPr/>
+                    <a:lstStyle/>
+                    <a:p>
+                      <a:pPr marL="0" marR="0" algn="l">
+                        <a:spcBef>
+                          <a:spcPts val="0"/>
+                        </a:spcBef>
+                        <a:spcAft>
+                          <a:spcPts val="0"/>
+                        </a:spcAft>
+                      </a:pPr>
+                      <a:r>
+                        <a:rPr lang="en-US" sz="1400" b="0" kern="0">
+                          <a:solidFill>
+                            <a:srgbClr val="000000"/>
+                          </a:solidFill>
+                          <a:effectLst/>
+                          <a:latin typeface="+mn-lt"/>
+                          <a:ea typeface="Times New Roman" charset="0"/>
+                          <a:cs typeface="Times New Roman" charset="0"/>
+                        </a:rPr>
+                        <a:t> </a:t>
+                      </a:r>
+                      <a:endParaRPr lang="en-US" sz="1400" b="0" kern="100">
+                        <a:effectLst/>
+                        <a:latin typeface="+mn-lt"/>
+                        <a:ea typeface="宋体" charset="-122"/>
+                        <a:cs typeface="Times New Roman" charset="0"/>
+                      </a:endParaRPr>
+                    </a:p>
+                  </a:txBody>
+                  <a:tcPr marL="68580" marR="68580" marT="0" marB="0"/>
+                </a:tc>
+                <a:tc>
+                  <a:txBody>
+                    <a:bodyPr/>
+                    <a:lstStyle/>
+                    <a:p>
+                      <a:pPr marL="0" marR="0" algn="l">
+                        <a:spcBef>
+                          <a:spcPts val="0"/>
+                        </a:spcBef>
+                        <a:spcAft>
+                          <a:spcPts val="0"/>
+                        </a:spcAft>
+                      </a:pPr>
+                      <a:r>
+                        <a:rPr lang="en-US" sz="1400" b="0" kern="0">
+                          <a:solidFill>
+                            <a:srgbClr val="000000"/>
+                          </a:solidFill>
+                          <a:effectLst/>
+                          <a:latin typeface="+mn-lt"/>
+                          <a:ea typeface="Times New Roman" charset="0"/>
+                          <a:cs typeface="Times New Roman" charset="0"/>
+                        </a:rPr>
+                        <a:t>Chaohui</a:t>
+                      </a:r>
+                      <a:endParaRPr lang="en-US" sz="1400" b="0" kern="100">
+                        <a:effectLst/>
+                        <a:latin typeface="+mn-lt"/>
+                        <a:ea typeface="宋体" charset="-122"/>
+                        <a:cs typeface="Times New Roman" charset="0"/>
+                      </a:endParaRPr>
+                    </a:p>
+                  </a:txBody>
+                  <a:tcPr marL="68580" marR="68580" marT="0" marB="0"/>
+                </a:tc>
+              </a:tr>
+              <a:tr h="924100">
+                <a:tc>
+                  <a:txBody>
+                    <a:bodyPr/>
+                    <a:lstStyle/>
+                    <a:p>
+                      <a:pPr marL="0" marR="0" algn="l">
+                        <a:spcBef>
+                          <a:spcPts val="0"/>
+                        </a:spcBef>
+                        <a:spcAft>
+                          <a:spcPts val="0"/>
+                        </a:spcAft>
+                      </a:pPr>
+                      <a:r>
+                        <a:rPr lang="en-US" sz="1400" b="1" kern="0" dirty="0">
+                          <a:solidFill>
+                            <a:schemeClr val="bg1"/>
+                          </a:solidFill>
+                          <a:effectLst/>
+                          <a:latin typeface="+mn-lt"/>
+                          <a:ea typeface="Times New Roman" charset="0"/>
+                          <a:cs typeface="Times New Roman" charset="0"/>
+                        </a:rPr>
+                        <a:t>39 </a:t>
+                      </a:r>
+                      <a:endParaRPr lang="en-US" sz="1400" kern="100" dirty="0">
+                        <a:solidFill>
+                          <a:schemeClr val="bg1"/>
+                        </a:solidFill>
+                        <a:effectLst/>
+                        <a:latin typeface="+mn-lt"/>
+                        <a:ea typeface="宋体" charset="-122"/>
+                        <a:cs typeface="Times New Roman" charset="0"/>
+                      </a:endParaRPr>
+                    </a:p>
+                  </a:txBody>
+                  <a:tcPr marL="68580" marR="68580" marT="0" marB="0"/>
+                </a:tc>
+                <a:tc>
+                  <a:txBody>
+                    <a:bodyPr/>
+                    <a:lstStyle/>
+                    <a:p>
+                      <a:pPr marL="0" marR="0" algn="l">
+                        <a:spcBef>
+                          <a:spcPts val="0"/>
+                        </a:spcBef>
+                        <a:spcAft>
+                          <a:spcPts val="0"/>
+                        </a:spcAft>
+                      </a:pPr>
+                      <a:r>
+                        <a:rPr lang="en-US" sz="1400" b="0" kern="0" dirty="0">
+                          <a:solidFill>
+                            <a:srgbClr val="000000"/>
+                          </a:solidFill>
+                          <a:effectLst/>
+                          <a:latin typeface="+mn-lt"/>
+                          <a:ea typeface="Times New Roman" charset="0"/>
+                          <a:cs typeface="Times New Roman" charset="0"/>
+                        </a:rPr>
+                        <a:t>7</a:t>
+                      </a:r>
+                      <a:endParaRPr lang="en-US" sz="1400" b="0" kern="100" dirty="0">
+                        <a:effectLst/>
+                        <a:latin typeface="+mn-lt"/>
+                        <a:ea typeface="宋体" charset="-122"/>
+                        <a:cs typeface="Times New Roman" charset="0"/>
+                      </a:endParaRPr>
+                    </a:p>
+                  </a:txBody>
+                  <a:tcPr marL="68580" marR="68580" marT="0" marB="0"/>
+                </a:tc>
+                <a:tc>
+                  <a:txBody>
+                    <a:bodyPr/>
+                    <a:lstStyle/>
+                    <a:p>
+                      <a:pPr marL="0" marR="0" algn="l">
+                        <a:spcBef>
+                          <a:spcPts val="0"/>
+                        </a:spcBef>
+                        <a:spcAft>
+                          <a:spcPts val="0"/>
+                        </a:spcAft>
+                      </a:pPr>
+                      <a:r>
+                        <a:rPr lang="en-US" sz="1400" b="0" kern="0">
+                          <a:solidFill>
+                            <a:srgbClr val="000000"/>
+                          </a:solidFill>
+                          <a:effectLst/>
+                          <a:latin typeface="+mn-lt"/>
+                          <a:ea typeface="Times New Roman" charset="0"/>
+                          <a:cs typeface="Times New Roman" charset="0"/>
+                        </a:rPr>
+                        <a:t>Modify the order of Executing the algorithm and upload configuration file</a:t>
+                      </a:r>
+                      <a:endParaRPr lang="en-US" sz="1400" b="0" kern="100">
+                        <a:effectLst/>
+                        <a:latin typeface="+mn-lt"/>
+                        <a:ea typeface="宋体" charset="-122"/>
+                        <a:cs typeface="Times New Roman" charset="0"/>
+                      </a:endParaRPr>
+                    </a:p>
+                  </a:txBody>
+                  <a:tcPr marL="68580" marR="68580" marT="0" marB="0"/>
+                </a:tc>
+                <a:tc>
+                  <a:txBody>
+                    <a:bodyPr/>
+                    <a:lstStyle/>
+                    <a:p>
+                      <a:pPr marL="0" marR="0" algn="l">
+                        <a:spcBef>
+                          <a:spcPts val="0"/>
+                        </a:spcBef>
+                        <a:spcAft>
+                          <a:spcPts val="0"/>
+                        </a:spcAft>
+                      </a:pPr>
+                      <a:r>
+                        <a:rPr lang="en-US" sz="1400" b="0" kern="0" dirty="0">
+                          <a:solidFill>
+                            <a:srgbClr val="000000"/>
+                          </a:solidFill>
+                          <a:effectLst/>
+                          <a:latin typeface="+mn-lt"/>
+                          <a:ea typeface="Times New Roman" charset="0"/>
+                          <a:cs typeface="Times New Roman" charset="0"/>
+                        </a:rPr>
+                        <a:t>Apr 21, 2017</a:t>
+                      </a:r>
+                      <a:endParaRPr lang="en-US" sz="1400" b="0" kern="100" dirty="0">
+                        <a:effectLst/>
+                        <a:latin typeface="+mn-lt"/>
+                        <a:ea typeface="宋体" charset="-122"/>
+                        <a:cs typeface="Times New Roman" charset="0"/>
+                      </a:endParaRPr>
+                    </a:p>
+                  </a:txBody>
+                  <a:tcPr marL="68580" marR="68580" marT="0" marB="0"/>
+                </a:tc>
+                <a:tc>
+                  <a:txBody>
+                    <a:bodyPr/>
+                    <a:lstStyle/>
+                    <a:p>
+                      <a:pPr marL="0" marR="0" algn="l">
+                        <a:spcBef>
+                          <a:spcPts val="0"/>
+                        </a:spcBef>
+                        <a:spcAft>
+                          <a:spcPts val="0"/>
+                        </a:spcAft>
+                      </a:pPr>
+                      <a:r>
+                        <a:rPr lang="en-US" sz="1400" b="0" kern="0" dirty="0">
+                          <a:solidFill>
+                            <a:srgbClr val="000000"/>
+                          </a:solidFill>
+                          <a:effectLst/>
+                          <a:latin typeface="+mn-lt"/>
+                          <a:ea typeface="Times New Roman" charset="0"/>
+                          <a:cs typeface="Times New Roman" charset="0"/>
+                        </a:rPr>
+                        <a:t>Apr 26, 2017</a:t>
+                      </a:r>
+                      <a:endParaRPr lang="en-US" sz="1400" b="0" kern="100" dirty="0">
+                        <a:effectLst/>
+                        <a:latin typeface="+mn-lt"/>
+                        <a:ea typeface="宋体" charset="-122"/>
+                        <a:cs typeface="Times New Roman" charset="0"/>
+                      </a:endParaRPr>
+                    </a:p>
+                  </a:txBody>
+                  <a:tcPr marL="68580" marR="68580" marT="0" marB="0"/>
+                </a:tc>
+                <a:tc>
+                  <a:txBody>
+                    <a:bodyPr/>
+                    <a:lstStyle/>
+                    <a:p>
+                      <a:pPr marL="0" marR="0" algn="l">
+                        <a:spcBef>
+                          <a:spcPts val="0"/>
+                        </a:spcBef>
+                        <a:spcAft>
+                          <a:spcPts val="0"/>
+                        </a:spcAft>
+                      </a:pPr>
+                      <a:r>
+                        <a:rPr lang="en-US" sz="1400" b="0" kern="0">
+                          <a:solidFill>
+                            <a:srgbClr val="000000"/>
+                          </a:solidFill>
+                          <a:effectLst/>
+                          <a:latin typeface="+mn-lt"/>
+                          <a:ea typeface="Times New Roman" charset="0"/>
+                          <a:cs typeface="Times New Roman" charset="0"/>
+                        </a:rPr>
+                        <a:t> </a:t>
+                      </a:r>
+                      <a:endParaRPr lang="en-US" sz="1400" b="0" kern="100">
+                        <a:effectLst/>
+                        <a:latin typeface="+mn-lt"/>
+                        <a:ea typeface="宋体" charset="-122"/>
+                        <a:cs typeface="Times New Roman" charset="0"/>
+                      </a:endParaRPr>
+                    </a:p>
+                  </a:txBody>
+                  <a:tcPr marL="68580" marR="68580" marT="0" marB="0"/>
+                </a:tc>
+                <a:tc>
+                  <a:txBody>
+                    <a:bodyPr/>
+                    <a:lstStyle/>
+                    <a:p>
+                      <a:pPr marL="0" marR="0" algn="l">
+                        <a:spcBef>
+                          <a:spcPts val="0"/>
+                        </a:spcBef>
+                        <a:spcAft>
+                          <a:spcPts val="0"/>
+                        </a:spcAft>
+                      </a:pPr>
+                      <a:r>
+                        <a:rPr lang="en-US" sz="1400" b="0" kern="0">
+                          <a:solidFill>
+                            <a:srgbClr val="000000"/>
+                          </a:solidFill>
+                          <a:effectLst/>
+                          <a:latin typeface="+mn-lt"/>
+                          <a:ea typeface="Times New Roman" charset="0"/>
+                          <a:cs typeface="Times New Roman" charset="0"/>
+                        </a:rPr>
+                        <a:t>Yifan</a:t>
+                      </a:r>
+                      <a:endParaRPr lang="en-US" sz="1400" b="0" kern="100">
+                        <a:effectLst/>
+                        <a:latin typeface="+mn-lt"/>
+                        <a:ea typeface="宋体" charset="-122"/>
+                        <a:cs typeface="Times New Roman" charset="0"/>
+                      </a:endParaRPr>
+                    </a:p>
+                  </a:txBody>
+                  <a:tcPr marL="68580" marR="68580" marT="0" marB="0"/>
+                </a:tc>
+              </a:tr>
+              <a:tr h="616067">
+                <a:tc>
+                  <a:txBody>
+                    <a:bodyPr/>
+                    <a:lstStyle/>
+                    <a:p>
+                      <a:pPr marL="0" marR="0" algn="l">
+                        <a:spcBef>
+                          <a:spcPts val="0"/>
+                        </a:spcBef>
+                        <a:spcAft>
+                          <a:spcPts val="0"/>
+                        </a:spcAft>
+                      </a:pPr>
+                      <a:r>
+                        <a:rPr lang="en-US" sz="1400" b="1" kern="0" dirty="0">
+                          <a:solidFill>
+                            <a:schemeClr val="bg1"/>
+                          </a:solidFill>
+                          <a:effectLst/>
+                          <a:latin typeface="+mn-lt"/>
+                          <a:ea typeface="Times New Roman" charset="0"/>
+                          <a:cs typeface="Times New Roman" charset="0"/>
+                        </a:rPr>
+                        <a:t>40</a:t>
+                      </a:r>
+                      <a:endParaRPr lang="en-US" sz="1400" kern="100" dirty="0">
+                        <a:solidFill>
+                          <a:schemeClr val="bg1"/>
+                        </a:solidFill>
+                        <a:effectLst/>
+                        <a:latin typeface="+mn-lt"/>
+                        <a:ea typeface="宋体" charset="-122"/>
+                        <a:cs typeface="Times New Roman" charset="0"/>
+                      </a:endParaRPr>
+                    </a:p>
+                  </a:txBody>
+                  <a:tcPr marL="68580" marR="68580" marT="0" marB="0"/>
+                </a:tc>
+                <a:tc>
+                  <a:txBody>
+                    <a:bodyPr/>
+                    <a:lstStyle/>
+                    <a:p>
+                      <a:pPr marL="0" marR="0" algn="l">
+                        <a:spcBef>
+                          <a:spcPts val="0"/>
+                        </a:spcBef>
+                        <a:spcAft>
+                          <a:spcPts val="0"/>
+                        </a:spcAft>
+                      </a:pPr>
+                      <a:r>
+                        <a:rPr lang="en-US" sz="1400" b="0" kern="0">
+                          <a:solidFill>
+                            <a:srgbClr val="000000"/>
+                          </a:solidFill>
+                          <a:effectLst/>
+                          <a:latin typeface="+mn-lt"/>
+                          <a:ea typeface="Times New Roman" charset="0"/>
+                          <a:cs typeface="Times New Roman" charset="0"/>
+                        </a:rPr>
+                        <a:t>4</a:t>
+                      </a:r>
+                      <a:endParaRPr lang="en-US" sz="1400" b="0" kern="100">
+                        <a:effectLst/>
+                        <a:latin typeface="+mn-lt"/>
+                        <a:ea typeface="宋体" charset="-122"/>
+                        <a:cs typeface="Times New Roman" charset="0"/>
+                      </a:endParaRPr>
+                    </a:p>
+                  </a:txBody>
+                  <a:tcPr marL="68580" marR="68580" marT="0" marB="0"/>
+                </a:tc>
+                <a:tc>
+                  <a:txBody>
+                    <a:bodyPr/>
+                    <a:lstStyle/>
+                    <a:p>
+                      <a:pPr marL="0" marR="0" algn="l">
+                        <a:spcBef>
+                          <a:spcPts val="0"/>
+                        </a:spcBef>
+                        <a:spcAft>
+                          <a:spcPts val="0"/>
+                        </a:spcAft>
+                      </a:pPr>
+                      <a:r>
+                        <a:rPr lang="en-US" sz="1400" b="0" kern="0">
+                          <a:solidFill>
+                            <a:srgbClr val="000000"/>
+                          </a:solidFill>
+                          <a:effectLst/>
+                          <a:latin typeface="+mn-lt"/>
+                          <a:ea typeface="Times New Roman" charset="0"/>
+                          <a:cs typeface="Times New Roman" charset="0"/>
+                        </a:rPr>
+                        <a:t>Modify the error message to be more specific</a:t>
+                      </a:r>
+                      <a:endParaRPr lang="en-US" sz="1400" b="0" kern="100">
+                        <a:effectLst/>
+                        <a:latin typeface="+mn-lt"/>
+                        <a:ea typeface="宋体" charset="-122"/>
+                        <a:cs typeface="Times New Roman" charset="0"/>
+                      </a:endParaRPr>
+                    </a:p>
+                  </a:txBody>
+                  <a:tcPr marL="68580" marR="68580" marT="0" marB="0"/>
+                </a:tc>
+                <a:tc>
+                  <a:txBody>
+                    <a:bodyPr/>
+                    <a:lstStyle/>
+                    <a:p>
+                      <a:pPr marL="0" marR="0" algn="l">
+                        <a:spcBef>
+                          <a:spcPts val="0"/>
+                        </a:spcBef>
+                        <a:spcAft>
+                          <a:spcPts val="0"/>
+                        </a:spcAft>
+                      </a:pPr>
+                      <a:r>
+                        <a:rPr lang="en-US" sz="1400" b="0" kern="0">
+                          <a:solidFill>
+                            <a:srgbClr val="000000"/>
+                          </a:solidFill>
+                          <a:effectLst/>
+                          <a:latin typeface="+mn-lt"/>
+                          <a:ea typeface="Times New Roman" charset="0"/>
+                          <a:cs typeface="Times New Roman" charset="0"/>
+                        </a:rPr>
+                        <a:t>Apr 21, 2017</a:t>
+                      </a:r>
+                      <a:endParaRPr lang="en-US" sz="1400" b="0" kern="100">
+                        <a:effectLst/>
+                        <a:latin typeface="+mn-lt"/>
+                        <a:ea typeface="宋体" charset="-122"/>
+                        <a:cs typeface="Times New Roman" charset="0"/>
+                      </a:endParaRPr>
+                    </a:p>
+                  </a:txBody>
+                  <a:tcPr marL="68580" marR="68580" marT="0" marB="0"/>
+                </a:tc>
+                <a:tc>
+                  <a:txBody>
+                    <a:bodyPr/>
+                    <a:lstStyle/>
+                    <a:p>
+                      <a:pPr marL="0" marR="0" algn="l">
+                        <a:spcBef>
+                          <a:spcPts val="0"/>
+                        </a:spcBef>
+                        <a:spcAft>
+                          <a:spcPts val="0"/>
+                        </a:spcAft>
+                      </a:pPr>
+                      <a:r>
+                        <a:rPr lang="en-US" sz="1400" b="0" kern="0">
+                          <a:solidFill>
+                            <a:srgbClr val="000000"/>
+                          </a:solidFill>
+                          <a:effectLst/>
+                          <a:latin typeface="+mn-lt"/>
+                          <a:ea typeface="Times New Roman" charset="0"/>
+                          <a:cs typeface="Times New Roman" charset="0"/>
+                        </a:rPr>
+                        <a:t>Apr 26, 2017</a:t>
+                      </a:r>
+                      <a:endParaRPr lang="en-US" sz="1400" b="0" kern="100">
+                        <a:effectLst/>
+                        <a:latin typeface="+mn-lt"/>
+                        <a:ea typeface="宋体" charset="-122"/>
+                        <a:cs typeface="Times New Roman" charset="0"/>
+                      </a:endParaRPr>
+                    </a:p>
+                  </a:txBody>
+                  <a:tcPr marL="68580" marR="68580" marT="0" marB="0"/>
+                </a:tc>
+                <a:tc>
+                  <a:txBody>
+                    <a:bodyPr/>
+                    <a:lstStyle/>
+                    <a:p>
+                      <a:pPr marL="0" marR="0" algn="l">
+                        <a:spcBef>
+                          <a:spcPts val="0"/>
+                        </a:spcBef>
+                        <a:spcAft>
+                          <a:spcPts val="0"/>
+                        </a:spcAft>
+                      </a:pPr>
+                      <a:r>
+                        <a:rPr lang="en-US" sz="1400" b="0" kern="0" dirty="0">
+                          <a:solidFill>
+                            <a:srgbClr val="000000"/>
+                          </a:solidFill>
+                          <a:effectLst/>
+                          <a:latin typeface="+mn-lt"/>
+                          <a:ea typeface="Times New Roman" charset="0"/>
+                          <a:cs typeface="Times New Roman" charset="0"/>
+                        </a:rPr>
+                        <a:t> </a:t>
+                      </a:r>
+                      <a:endParaRPr lang="en-US" sz="1400" b="0" kern="100" dirty="0">
+                        <a:effectLst/>
+                        <a:latin typeface="+mn-lt"/>
+                        <a:ea typeface="宋体" charset="-122"/>
+                        <a:cs typeface="Times New Roman" charset="0"/>
+                      </a:endParaRPr>
+                    </a:p>
+                  </a:txBody>
+                  <a:tcPr marL="68580" marR="68580" marT="0" marB="0"/>
+                </a:tc>
+                <a:tc>
+                  <a:txBody>
+                    <a:bodyPr/>
+                    <a:lstStyle/>
+                    <a:p>
+                      <a:pPr marL="0" marR="0" algn="l">
+                        <a:spcBef>
+                          <a:spcPts val="0"/>
+                        </a:spcBef>
+                        <a:spcAft>
+                          <a:spcPts val="0"/>
+                        </a:spcAft>
+                      </a:pPr>
+                      <a:r>
+                        <a:rPr lang="en-US" sz="1400" b="0" kern="0">
+                          <a:solidFill>
+                            <a:srgbClr val="000000"/>
+                          </a:solidFill>
+                          <a:effectLst/>
+                          <a:latin typeface="+mn-lt"/>
+                          <a:ea typeface="Times New Roman" charset="0"/>
+                          <a:cs typeface="Times New Roman" charset="0"/>
+                        </a:rPr>
+                        <a:t>Yifan</a:t>
+                      </a:r>
+                      <a:endParaRPr lang="en-US" sz="1400" b="0" kern="100">
+                        <a:effectLst/>
+                        <a:latin typeface="+mn-lt"/>
+                        <a:ea typeface="宋体" charset="-122"/>
+                        <a:cs typeface="Times New Roman" charset="0"/>
+                      </a:endParaRPr>
+                    </a:p>
+                  </a:txBody>
+                  <a:tcPr marL="68580" marR="68580" marT="0" marB="0"/>
+                </a:tc>
+              </a:tr>
+              <a:tr h="924100">
+                <a:tc>
+                  <a:txBody>
+                    <a:bodyPr/>
+                    <a:lstStyle/>
+                    <a:p>
+                      <a:pPr marL="0" marR="0" algn="l">
+                        <a:spcBef>
+                          <a:spcPts val="0"/>
+                        </a:spcBef>
+                        <a:spcAft>
+                          <a:spcPts val="0"/>
+                        </a:spcAft>
+                      </a:pPr>
+                      <a:r>
+                        <a:rPr lang="en-US" sz="1400" b="1" kern="0" dirty="0">
+                          <a:solidFill>
+                            <a:schemeClr val="bg1"/>
+                          </a:solidFill>
+                          <a:effectLst/>
+                          <a:latin typeface="+mn-lt"/>
+                          <a:ea typeface="Times New Roman" charset="0"/>
+                          <a:cs typeface="Times New Roman" charset="0"/>
+                        </a:rPr>
+                        <a:t>41</a:t>
+                      </a:r>
+                      <a:endParaRPr lang="en-US" sz="1400" kern="100" dirty="0">
+                        <a:solidFill>
+                          <a:schemeClr val="bg1"/>
+                        </a:solidFill>
+                        <a:effectLst/>
+                        <a:latin typeface="+mn-lt"/>
+                        <a:ea typeface="宋体" charset="-122"/>
+                        <a:cs typeface="Times New Roman" charset="0"/>
+                      </a:endParaRPr>
+                    </a:p>
+                  </a:txBody>
+                  <a:tcPr marL="68580" marR="68580" marT="0" marB="0"/>
+                </a:tc>
+                <a:tc>
+                  <a:txBody>
+                    <a:bodyPr/>
+                    <a:lstStyle/>
+                    <a:p>
+                      <a:pPr marL="0" marR="0" algn="l">
+                        <a:spcBef>
+                          <a:spcPts val="0"/>
+                        </a:spcBef>
+                        <a:spcAft>
+                          <a:spcPts val="0"/>
+                        </a:spcAft>
+                      </a:pPr>
+                      <a:r>
+                        <a:rPr lang="en-US" sz="1400" b="0" kern="0">
+                          <a:solidFill>
+                            <a:srgbClr val="000000"/>
+                          </a:solidFill>
+                          <a:effectLst/>
+                          <a:latin typeface="+mn-lt"/>
+                          <a:ea typeface="Times New Roman" charset="0"/>
+                          <a:cs typeface="Times New Roman" charset="0"/>
+                        </a:rPr>
+                        <a:t>6</a:t>
+                      </a:r>
+                      <a:endParaRPr lang="en-US" sz="1400" b="0" kern="100">
+                        <a:effectLst/>
+                        <a:latin typeface="+mn-lt"/>
+                        <a:ea typeface="宋体" charset="-122"/>
+                        <a:cs typeface="Times New Roman" charset="0"/>
+                      </a:endParaRPr>
+                    </a:p>
+                  </a:txBody>
+                  <a:tcPr marL="68580" marR="68580" marT="0" marB="0"/>
+                </a:tc>
+                <a:tc>
+                  <a:txBody>
+                    <a:bodyPr/>
+                    <a:lstStyle/>
+                    <a:p>
+                      <a:pPr marL="0" marR="0" algn="l">
+                        <a:spcBef>
+                          <a:spcPts val="0"/>
+                        </a:spcBef>
+                        <a:spcAft>
+                          <a:spcPts val="0"/>
+                        </a:spcAft>
+                      </a:pPr>
+                      <a:r>
+                        <a:rPr lang="en-US" sz="1400" b="0" kern="0">
+                          <a:solidFill>
+                            <a:srgbClr val="000000"/>
+                          </a:solidFill>
+                          <a:effectLst/>
+                          <a:latin typeface="+mn-lt"/>
+                          <a:ea typeface="Times New Roman" charset="0"/>
+                          <a:cs typeface="Times New Roman" charset="0"/>
+                        </a:rPr>
+                        <a:t>Add the display of current algorithm in the Graphic view </a:t>
+                      </a:r>
+                      <a:endParaRPr lang="en-US" sz="1400" b="0" kern="100">
+                        <a:effectLst/>
+                        <a:latin typeface="+mn-lt"/>
+                        <a:ea typeface="宋体" charset="-122"/>
+                        <a:cs typeface="Times New Roman" charset="0"/>
+                      </a:endParaRPr>
+                    </a:p>
+                  </a:txBody>
+                  <a:tcPr marL="68580" marR="68580" marT="0" marB="0"/>
+                </a:tc>
+                <a:tc>
+                  <a:txBody>
+                    <a:bodyPr/>
+                    <a:lstStyle/>
+                    <a:p>
+                      <a:pPr marL="0" marR="0" algn="l">
+                        <a:spcBef>
+                          <a:spcPts val="0"/>
+                        </a:spcBef>
+                        <a:spcAft>
+                          <a:spcPts val="0"/>
+                        </a:spcAft>
+                      </a:pPr>
+                      <a:r>
+                        <a:rPr lang="en-US" sz="1400" b="0" kern="0">
+                          <a:solidFill>
+                            <a:srgbClr val="000000"/>
+                          </a:solidFill>
+                          <a:effectLst/>
+                          <a:latin typeface="+mn-lt"/>
+                          <a:ea typeface="Times New Roman" charset="0"/>
+                          <a:cs typeface="Times New Roman" charset="0"/>
+                        </a:rPr>
+                        <a:t>Apr 21, 2017</a:t>
+                      </a:r>
+                      <a:endParaRPr lang="en-US" sz="1400" b="0" kern="100">
+                        <a:effectLst/>
+                        <a:latin typeface="+mn-lt"/>
+                        <a:ea typeface="宋体" charset="-122"/>
+                        <a:cs typeface="Times New Roman" charset="0"/>
+                      </a:endParaRPr>
+                    </a:p>
+                  </a:txBody>
+                  <a:tcPr marL="68580" marR="68580" marT="0" marB="0"/>
+                </a:tc>
+                <a:tc>
+                  <a:txBody>
+                    <a:bodyPr/>
+                    <a:lstStyle/>
+                    <a:p>
+                      <a:pPr marL="0" marR="0" algn="l">
+                        <a:spcBef>
+                          <a:spcPts val="0"/>
+                        </a:spcBef>
+                        <a:spcAft>
+                          <a:spcPts val="0"/>
+                        </a:spcAft>
+                      </a:pPr>
+                      <a:r>
+                        <a:rPr lang="en-US" sz="1400" b="0" kern="0">
+                          <a:solidFill>
+                            <a:srgbClr val="000000"/>
+                          </a:solidFill>
+                          <a:effectLst/>
+                          <a:latin typeface="+mn-lt"/>
+                          <a:ea typeface="Times New Roman" charset="0"/>
+                          <a:cs typeface="Times New Roman" charset="0"/>
+                        </a:rPr>
+                        <a:t>Apr 26, 2017</a:t>
+                      </a:r>
+                      <a:endParaRPr lang="en-US" sz="1400" b="0" kern="100">
+                        <a:effectLst/>
+                        <a:latin typeface="+mn-lt"/>
+                        <a:ea typeface="宋体" charset="-122"/>
+                        <a:cs typeface="Times New Roman" charset="0"/>
+                      </a:endParaRPr>
+                    </a:p>
+                  </a:txBody>
+                  <a:tcPr marL="68580" marR="68580" marT="0" marB="0"/>
+                </a:tc>
+                <a:tc>
+                  <a:txBody>
+                    <a:bodyPr/>
+                    <a:lstStyle/>
+                    <a:p>
+                      <a:pPr marL="0" marR="0" algn="l">
+                        <a:spcBef>
+                          <a:spcPts val="0"/>
+                        </a:spcBef>
+                        <a:spcAft>
+                          <a:spcPts val="0"/>
+                        </a:spcAft>
+                      </a:pPr>
+                      <a:r>
+                        <a:rPr lang="en-US" sz="1400" b="0" kern="0" dirty="0">
+                          <a:solidFill>
+                            <a:srgbClr val="000000"/>
+                          </a:solidFill>
+                          <a:effectLst/>
+                          <a:latin typeface="+mn-lt"/>
+                          <a:ea typeface="Times New Roman" charset="0"/>
+                          <a:cs typeface="Times New Roman" charset="0"/>
+                        </a:rPr>
+                        <a:t> </a:t>
+                      </a:r>
+                      <a:endParaRPr lang="en-US" sz="1400" b="0" kern="100" dirty="0">
+                        <a:effectLst/>
+                        <a:latin typeface="+mn-lt"/>
+                        <a:ea typeface="宋体" charset="-122"/>
+                        <a:cs typeface="Times New Roman" charset="0"/>
+                      </a:endParaRPr>
+                    </a:p>
+                  </a:txBody>
+                  <a:tcPr marL="68580" marR="68580" marT="0" marB="0"/>
+                </a:tc>
+                <a:tc>
+                  <a:txBody>
+                    <a:bodyPr/>
+                    <a:lstStyle/>
+                    <a:p>
+                      <a:pPr marL="0" marR="0" algn="l">
+                        <a:spcBef>
+                          <a:spcPts val="0"/>
+                        </a:spcBef>
+                        <a:spcAft>
+                          <a:spcPts val="0"/>
+                        </a:spcAft>
+                      </a:pPr>
+                      <a:r>
+                        <a:rPr lang="en-US" sz="1400" b="0" kern="0">
+                          <a:solidFill>
+                            <a:srgbClr val="000000"/>
+                          </a:solidFill>
+                          <a:effectLst/>
+                          <a:latin typeface="+mn-lt"/>
+                          <a:ea typeface="Times New Roman" charset="0"/>
+                          <a:cs typeface="Times New Roman" charset="0"/>
+                        </a:rPr>
+                        <a:t>Chaohui</a:t>
+                      </a:r>
+                      <a:endParaRPr lang="en-US" sz="1400" b="0" kern="100">
+                        <a:effectLst/>
+                        <a:latin typeface="+mn-lt"/>
+                        <a:ea typeface="宋体" charset="-122"/>
+                        <a:cs typeface="Times New Roman" charset="0"/>
+                      </a:endParaRPr>
+                    </a:p>
+                  </a:txBody>
+                  <a:tcPr marL="68580" marR="68580" marT="0" marB="0"/>
+                </a:tc>
+              </a:tr>
+              <a:tr h="326323">
+                <a:tc>
+                  <a:txBody>
+                    <a:bodyPr/>
+                    <a:lstStyle/>
+                    <a:p>
+                      <a:pPr marL="0" marR="0" algn="l">
+                        <a:spcBef>
+                          <a:spcPts val="0"/>
+                        </a:spcBef>
+                        <a:spcAft>
+                          <a:spcPts val="0"/>
+                        </a:spcAft>
+                      </a:pPr>
+                      <a:r>
+                        <a:rPr lang="en-US" sz="1400" b="1" kern="0" dirty="0">
+                          <a:solidFill>
+                            <a:schemeClr val="bg1"/>
+                          </a:solidFill>
+                          <a:effectLst/>
+                          <a:latin typeface="+mn-lt"/>
+                          <a:ea typeface="Times New Roman" charset="0"/>
+                          <a:cs typeface="Times New Roman" charset="0"/>
+                        </a:rPr>
+                        <a:t>42</a:t>
+                      </a:r>
+                      <a:endParaRPr lang="en-US" sz="1400" kern="100" dirty="0">
+                        <a:solidFill>
+                          <a:schemeClr val="bg1"/>
+                        </a:solidFill>
+                        <a:effectLst/>
+                        <a:latin typeface="+mn-lt"/>
+                        <a:ea typeface="宋体" charset="-122"/>
+                        <a:cs typeface="Times New Roman" charset="0"/>
+                      </a:endParaRPr>
+                    </a:p>
+                  </a:txBody>
+                  <a:tcPr marL="68580" marR="68580" marT="0" marB="0"/>
+                </a:tc>
+                <a:tc>
+                  <a:txBody>
+                    <a:bodyPr/>
+                    <a:lstStyle/>
+                    <a:p>
+                      <a:pPr marL="0" marR="0" algn="l">
+                        <a:spcBef>
+                          <a:spcPts val="0"/>
+                        </a:spcBef>
+                        <a:spcAft>
+                          <a:spcPts val="0"/>
+                        </a:spcAft>
+                      </a:pPr>
+                      <a:r>
+                        <a:rPr lang="en-US" sz="1400" b="0" kern="0" dirty="0">
+                          <a:solidFill>
+                            <a:srgbClr val="000000"/>
+                          </a:solidFill>
+                          <a:effectLst/>
+                          <a:latin typeface="+mn-lt"/>
+                          <a:ea typeface="Times New Roman" charset="0"/>
+                          <a:cs typeface="Times New Roman" charset="0"/>
+                        </a:rPr>
+                        <a:t>7</a:t>
+                      </a:r>
+                      <a:endParaRPr lang="en-US" sz="1400" b="0" kern="100" dirty="0">
+                        <a:effectLst/>
+                        <a:latin typeface="+mn-lt"/>
+                        <a:ea typeface="宋体" charset="-122"/>
+                        <a:cs typeface="Times New Roman" charset="0"/>
+                      </a:endParaRPr>
+                    </a:p>
+                  </a:txBody>
+                  <a:tcPr marL="68580" marR="68580" marT="0" marB="0"/>
+                </a:tc>
+                <a:tc>
+                  <a:txBody>
+                    <a:bodyPr/>
+                    <a:lstStyle/>
+                    <a:p>
+                      <a:pPr marL="0" marR="0" algn="l">
+                        <a:spcBef>
+                          <a:spcPts val="0"/>
+                        </a:spcBef>
+                        <a:spcAft>
+                          <a:spcPts val="0"/>
+                        </a:spcAft>
+                      </a:pPr>
+                      <a:r>
+                        <a:rPr lang="en-US" sz="1400" b="0" kern="0">
+                          <a:solidFill>
+                            <a:srgbClr val="000000"/>
+                          </a:solidFill>
+                          <a:effectLst/>
+                          <a:latin typeface="+mn-lt"/>
+                          <a:ea typeface="Times New Roman" charset="0"/>
+                          <a:cs typeface="Times New Roman" charset="0"/>
+                        </a:rPr>
+                        <a:t>Fix the bug when the user input the steps that is greater than the total steps of the algorithm</a:t>
+                      </a:r>
+                      <a:endParaRPr lang="en-US" sz="1400" b="0" kern="100">
+                        <a:effectLst/>
+                        <a:latin typeface="+mn-lt"/>
+                        <a:ea typeface="宋体" charset="-122"/>
+                        <a:cs typeface="Times New Roman" charset="0"/>
+                      </a:endParaRPr>
+                    </a:p>
+                  </a:txBody>
+                  <a:tcPr marL="68580" marR="68580" marT="0" marB="0"/>
+                </a:tc>
+                <a:tc>
+                  <a:txBody>
+                    <a:bodyPr/>
+                    <a:lstStyle/>
+                    <a:p>
+                      <a:pPr marL="0" marR="0" algn="l">
+                        <a:spcBef>
+                          <a:spcPts val="0"/>
+                        </a:spcBef>
+                        <a:spcAft>
+                          <a:spcPts val="0"/>
+                        </a:spcAft>
+                      </a:pPr>
+                      <a:r>
+                        <a:rPr lang="en-US" sz="1400" b="0" kern="0">
+                          <a:solidFill>
+                            <a:srgbClr val="000000"/>
+                          </a:solidFill>
+                          <a:effectLst/>
+                          <a:latin typeface="+mn-lt"/>
+                          <a:ea typeface="Times New Roman" charset="0"/>
+                          <a:cs typeface="Times New Roman" charset="0"/>
+                        </a:rPr>
+                        <a:t>Apr 21, 2017</a:t>
+                      </a:r>
+                      <a:endParaRPr lang="en-US" sz="1400" b="0" kern="100">
+                        <a:effectLst/>
+                        <a:latin typeface="+mn-lt"/>
+                        <a:ea typeface="宋体" charset="-122"/>
+                        <a:cs typeface="Times New Roman" charset="0"/>
+                      </a:endParaRPr>
+                    </a:p>
+                  </a:txBody>
+                  <a:tcPr marL="68580" marR="68580" marT="0" marB="0"/>
+                </a:tc>
+                <a:tc>
+                  <a:txBody>
+                    <a:bodyPr/>
+                    <a:lstStyle/>
+                    <a:p>
+                      <a:pPr marL="0" marR="0" algn="l">
+                        <a:spcBef>
+                          <a:spcPts val="0"/>
+                        </a:spcBef>
+                        <a:spcAft>
+                          <a:spcPts val="0"/>
+                        </a:spcAft>
+                      </a:pPr>
+                      <a:r>
+                        <a:rPr lang="en-US" sz="1400" b="0" kern="0">
+                          <a:solidFill>
+                            <a:srgbClr val="000000"/>
+                          </a:solidFill>
+                          <a:effectLst/>
+                          <a:latin typeface="+mn-lt"/>
+                          <a:ea typeface="Times New Roman" charset="0"/>
+                          <a:cs typeface="Times New Roman" charset="0"/>
+                        </a:rPr>
+                        <a:t>Apr 26, 2017</a:t>
+                      </a:r>
+                      <a:endParaRPr lang="en-US" sz="1400" b="0" kern="100">
+                        <a:effectLst/>
+                        <a:latin typeface="+mn-lt"/>
+                        <a:ea typeface="宋体" charset="-122"/>
+                        <a:cs typeface="Times New Roman" charset="0"/>
+                      </a:endParaRPr>
+                    </a:p>
+                  </a:txBody>
+                  <a:tcPr marL="68580" marR="68580" marT="0" marB="0"/>
+                </a:tc>
+                <a:tc>
+                  <a:txBody>
+                    <a:bodyPr/>
+                    <a:lstStyle/>
+                    <a:p>
+                      <a:pPr marL="0" marR="0" algn="l">
+                        <a:spcBef>
+                          <a:spcPts val="0"/>
+                        </a:spcBef>
+                        <a:spcAft>
+                          <a:spcPts val="0"/>
+                        </a:spcAft>
+                      </a:pPr>
+                      <a:r>
+                        <a:rPr lang="en-US" sz="1400" b="0" kern="0" dirty="0">
+                          <a:solidFill>
+                            <a:srgbClr val="000000"/>
+                          </a:solidFill>
+                          <a:effectLst/>
+                          <a:latin typeface="+mn-lt"/>
+                          <a:ea typeface="Times New Roman" charset="0"/>
+                          <a:cs typeface="Times New Roman" charset="0"/>
+                        </a:rPr>
+                        <a:t> </a:t>
+                      </a:r>
+                      <a:endParaRPr lang="en-US" sz="1400" b="0" kern="100" dirty="0">
+                        <a:effectLst/>
+                        <a:latin typeface="+mn-lt"/>
+                        <a:ea typeface="宋体" charset="-122"/>
+                        <a:cs typeface="Times New Roman" charset="0"/>
+                      </a:endParaRPr>
+                    </a:p>
+                  </a:txBody>
+                  <a:tcPr marL="68580" marR="68580" marT="0" marB="0"/>
+                </a:tc>
+                <a:tc>
+                  <a:txBody>
+                    <a:bodyPr/>
+                    <a:lstStyle/>
+                    <a:p>
+                      <a:pPr marL="0" marR="0" algn="l">
+                        <a:spcBef>
+                          <a:spcPts val="0"/>
+                        </a:spcBef>
+                        <a:spcAft>
+                          <a:spcPts val="0"/>
+                        </a:spcAft>
+                      </a:pPr>
+                      <a:r>
+                        <a:rPr lang="en-US" sz="1400" b="0" kern="0" dirty="0">
+                          <a:solidFill>
+                            <a:srgbClr val="000000"/>
+                          </a:solidFill>
+                          <a:effectLst/>
+                          <a:latin typeface="+mn-lt"/>
+                          <a:ea typeface="Times New Roman" charset="0"/>
+                          <a:cs typeface="Times New Roman" charset="0"/>
+                        </a:rPr>
+                        <a:t>Yifan</a:t>
+                      </a:r>
+                      <a:endParaRPr lang="en-US" sz="1400" b="0" kern="100" dirty="0">
+                        <a:effectLst/>
+                        <a:latin typeface="+mn-lt"/>
+                        <a:ea typeface="宋体" charset="-122"/>
+                        <a:cs typeface="Times New Roman" charset="0"/>
+                      </a:endParaRPr>
+                    </a:p>
+                  </a:txBody>
+                  <a:tcPr marL="68580" marR="68580" marT="0" marB="0"/>
+                </a:tc>
+              </a:tr>
+            </a:tbl>
+          </a:graphicData>
+        </a:graphic>
+      </p:graphicFrame>
     </p:spTree>
     <p:extLst>
       <p:ext uri="{BB962C8B-B14F-4D97-AF65-F5344CB8AC3E}">
-        <p14:creationId xmlns:p14="http://schemas.microsoft.com/office/powerpoint/2010/main" val="3049832890"/>
+        <p14:creationId xmlns:p14="http://schemas.microsoft.com/office/powerpoint/2010/main" val="3039431325"/>
       </p:ext>
     </p:extLst>
   </p:cSld>
@@ -4997,14 +6468,14 @@
       </p:grpSpPr>
       <p:sp useBgFill="1">
         <p:nvSpPr>
-          <p:cNvPr id="16" name="Rectangle 15"/>
+          <p:cNvPr id="70" name="Rectangle 69"/>
           <p:cNvSpPr>
             <a:spLocks noGrp="1" noRot="1" noChangeAspect="1" noMove="1" noResize="1" noEditPoints="1" noAdjustHandles="1" noChangeArrowheads="1" noChangeShapeType="1" noTextEdit="1"/>
           </p:cNvSpPr>
           <p:nvPr>
             <p:extLst>
               <p:ext uri="{386F3935-93C4-4BCD-93E2-E3B085C9AB24}">
-                <p16:designElem xmlns="" xmlns:p16="http://schemas.microsoft.com/office/powerpoint/2015/main" val="1"/>
+                <p16:designElem xmlns:p16="http://schemas.microsoft.com/office/powerpoint/2015/main" val="1"/>
               </p:ext>
             </p:extLst>
           </p:nvPr>
@@ -5048,14 +6519,14 @@
       </p:sp>
       <p:sp>
         <p:nvSpPr>
-          <p:cNvPr id="18" name="Rectangle 17"/>
+          <p:cNvPr id="72" name="Rectangle 71"/>
           <p:cNvSpPr>
             <a:spLocks noGrp="1" noRot="1" noChangeAspect="1" noMove="1" noResize="1" noEditPoints="1" noAdjustHandles="1" noChangeArrowheads="1" noChangeShapeType="1" noTextEdit="1"/>
           </p:cNvSpPr>
           <p:nvPr>
             <p:extLst>
               <p:ext uri="{386F3935-93C4-4BCD-93E2-E3B085C9AB24}">
-                <p16:designElem xmlns="" xmlns:p16="http://schemas.microsoft.com/office/powerpoint/2015/main" val="1"/>
+                <p16:designElem xmlns:p16="http://schemas.microsoft.com/office/powerpoint/2015/main" val="1"/>
               </p:ext>
             </p:extLst>
           </p:nvPr>
@@ -5094,14 +6565,14 @@
       </p:sp>
       <p:sp>
         <p:nvSpPr>
-          <p:cNvPr id="20" name="Rectangle 19"/>
+          <p:cNvPr id="74" name="Rectangle 73"/>
           <p:cNvSpPr>
             <a:spLocks noGrp="1" noRot="1" noChangeAspect="1" noMove="1" noResize="1" noEditPoints="1" noAdjustHandles="1" noChangeArrowheads="1" noChangeShapeType="1" noTextEdit="1"/>
           </p:cNvSpPr>
           <p:nvPr>
             <p:extLst>
               <p:ext uri="{386F3935-93C4-4BCD-93E2-E3B085C9AB24}">
-                <p16:designElem xmlns="" xmlns:p16="http://schemas.microsoft.com/office/powerpoint/2015/main" val="1"/>
+                <p16:designElem xmlns:p16="http://schemas.microsoft.com/office/powerpoint/2015/main" val="1"/>
               </p:ext>
             </p:extLst>
           </p:nvPr>
@@ -5161,45 +6632,14 @@
           <a:lstStyle/>
           <a:p>
             <a:r>
-              <a:rPr lang="en-US" altLang="zh-CN" sz="3600" dirty="0">
+              <a:rPr lang="en-US" altLang="zh-CN" sz="3600">
                 <a:solidFill>
                   <a:srgbClr val="FFFFFF"/>
                 </a:solidFill>
               </a:rPr>
-              <a:t>Test  C</a:t>
-            </a:r>
-            <a:r>
-              <a:rPr lang="en-US" altLang="zh-CN" sz="3600" dirty="0" smtClean="0">
-                <a:solidFill>
-                  <a:srgbClr val="FFFFFF"/>
-                </a:solidFill>
-              </a:rPr>
-              <a:t>ases </a:t>
-            </a:r>
-            <a:r>
-              <a:rPr lang="en-US" altLang="zh-CN" sz="3600" dirty="0">
-                <a:solidFill>
-                  <a:srgbClr val="FFFFFF"/>
-                </a:solidFill>
-              </a:rPr>
-              <a:t>for</a:t>
-            </a:r>
-            <a:br>
-              <a:rPr lang="en-US" altLang="zh-CN" sz="3600" dirty="0">
-                <a:solidFill>
-                  <a:srgbClr val="FFFFFF"/>
-                </a:solidFill>
-              </a:rPr>
-            </a:br>
-            <a:r>
-              <a:rPr lang="en-US" altLang="zh-CN" sz="3600" dirty="0" smtClean="0">
-                <a:solidFill>
-                  <a:srgbClr val="FFFFFF"/>
-                </a:solidFill>
-              </a:rPr>
-              <a:t>Sprint Task 31</a:t>
-            </a:r>
-            <a:endParaRPr lang="en-US" sz="3600" dirty="0">
+              <a:t>Sprint Tasks</a:t>
+            </a:r>
+            <a:endParaRPr lang="en-US" sz="3600">
               <a:solidFill>
                 <a:srgbClr val="FFFFFF"/>
               </a:solidFill>
@@ -5229,65 +6669,1108 @@
           </a:bodyPr>
           <a:lstStyle/>
           <a:p>
-            <a:r>
-              <a:rPr lang="en-US" sz="1600" dirty="0">
-                <a:solidFill>
-                  <a:schemeClr val="bg1"/>
-                </a:solidFill>
-              </a:rPr>
-              <a:t>Develop DB access code for retrieving the old runs which can search an old run based on one or more of the following information: date, time, size of the environment, number of regions, and number of steps for completion</a:t>
-            </a:r>
-            <a:r>
-              <a:rPr lang="zh-CN" altLang="en-US" sz="1600" dirty="0">
-                <a:solidFill>
-                  <a:schemeClr val="bg1"/>
-                </a:solidFill>
-              </a:rPr>
-              <a:t> </a:t>
-            </a:r>
-            <a:endParaRPr lang="en-US" sz="1600" dirty="0">
-              <a:solidFill>
-                <a:schemeClr val="bg1"/>
-              </a:solidFill>
-            </a:endParaRPr>
-          </a:p>
-          <a:p>
-            <a:endParaRPr lang="en-US" sz="1500" dirty="0">
+            <a:endParaRPr lang="en-US" sz="1500">
               <a:solidFill>
                 <a:srgbClr val="FFFFFF"/>
               </a:solidFill>
             </a:endParaRPr>
           </a:p>
+          <a:p>
+            <a:endParaRPr lang="en-US" sz="1500">
+              <a:solidFill>
+                <a:srgbClr val="FFFFFF"/>
+              </a:solidFill>
+            </a:endParaRPr>
+          </a:p>
         </p:txBody>
       </p:sp>
-      <p:pic>
-        <p:nvPicPr>
-          <p:cNvPr id="4" name="Picture 3"/>
-          <p:cNvPicPr>
-            <a:picLocks noChangeAspect="1"/>
-          </p:cNvPicPr>
-          <p:nvPr/>
-        </p:nvPicPr>
-        <p:blipFill>
-          <a:blip r:embed="rId2"/>
-          <a:stretch>
-            <a:fillRect/>
-          </a:stretch>
-        </p:blipFill>
-        <p:spPr>
-          <a:xfrm>
-            <a:off x="4326146" y="50800"/>
-            <a:ext cx="6769100" cy="6807200"/>
-          </a:xfrm>
-          <a:prstGeom prst="rect">
-            <a:avLst/>
-          </a:prstGeom>
-        </p:spPr>
-      </p:pic>
+      <p:graphicFrame>
+        <p:nvGraphicFramePr>
+          <p:cNvPr id="8" name="Table 7"/>
+          <p:cNvGraphicFramePr>
+            <a:graphicFrameLocks noGrp="1"/>
+          </p:cNvGraphicFramePr>
+          <p:nvPr>
+            <p:extLst>
+              <p:ext uri="{D42A27DB-BD31-4B8C-83A1-F6EECF244321}">
+                <p14:modId xmlns:p14="http://schemas.microsoft.com/office/powerpoint/2010/main" val="1547636675"/>
+              </p:ext>
+            </p:extLst>
+          </p:nvPr>
+        </p:nvGraphicFramePr>
+        <p:xfrm>
+          <a:off x="4566935" y="1583284"/>
+          <a:ext cx="7110717" cy="3691432"/>
+        </p:xfrm>
+        <a:graphic>
+          <a:graphicData uri="http://schemas.openxmlformats.org/drawingml/2006/table">
+            <a:tbl>
+              <a:tblPr firstRow="1" firstCol="1" bandRow="1">
+                <a:tableStyleId>{5C22544A-7EE6-4342-B048-85BDC9FD1C3A}</a:tableStyleId>
+              </a:tblPr>
+              <a:tblGrid>
+                <a:gridCol w="616133"/>
+                <a:gridCol w="668216"/>
+                <a:gridCol w="1805353"/>
+                <a:gridCol w="1184031"/>
+                <a:gridCol w="1105616"/>
+                <a:gridCol w="865684"/>
+                <a:gridCol w="865684"/>
+              </a:tblGrid>
+              <a:tr h="385042">
+                <a:tc>
+                  <a:txBody>
+                    <a:bodyPr/>
+                    <a:lstStyle/>
+                    <a:p>
+                      <a:pPr marL="0" marR="0" algn="l">
+                        <a:spcBef>
+                          <a:spcPts val="0"/>
+                        </a:spcBef>
+                        <a:spcAft>
+                          <a:spcPts val="0"/>
+                        </a:spcAft>
+                      </a:pPr>
+                      <a:r>
+                        <a:rPr lang="en-US" sz="1400" kern="0" dirty="0" smtClean="0">
+                          <a:solidFill>
+                            <a:schemeClr val="bg1"/>
+                          </a:solidFill>
+                          <a:effectLst/>
+                          <a:latin typeface="+mn-lt"/>
+                        </a:rPr>
+                        <a:t>S.NO.</a:t>
+                      </a:r>
+                      <a:endParaRPr lang="en-US" sz="1400" kern="100" dirty="0">
+                        <a:solidFill>
+                          <a:schemeClr val="bg1"/>
+                        </a:solidFill>
+                        <a:effectLst/>
+                        <a:latin typeface="+mn-lt"/>
+                        <a:ea typeface="宋体" charset="-122"/>
+                        <a:cs typeface="Times New Roman" charset="0"/>
+                      </a:endParaRPr>
+                    </a:p>
+                  </a:txBody>
+                  <a:tcPr marL="34654" marR="34654" marT="0" marB="0"/>
+                </a:tc>
+                <a:tc>
+                  <a:txBody>
+                    <a:bodyPr/>
+                    <a:lstStyle/>
+                    <a:p>
+                      <a:pPr marL="0" marR="0" algn="l">
+                        <a:spcBef>
+                          <a:spcPts val="0"/>
+                        </a:spcBef>
+                        <a:spcAft>
+                          <a:spcPts val="0"/>
+                        </a:spcAft>
+                      </a:pPr>
+                      <a:r>
+                        <a:rPr lang="en-US" sz="1400" kern="0" dirty="0">
+                          <a:effectLst/>
+                          <a:latin typeface="+mn-lt"/>
+                        </a:rPr>
+                        <a:t>User Story index</a:t>
+                      </a:r>
+                      <a:endParaRPr lang="en-US" sz="1400" kern="100" dirty="0">
+                        <a:effectLst/>
+                        <a:latin typeface="+mn-lt"/>
+                        <a:ea typeface="宋体" charset="-122"/>
+                        <a:cs typeface="Times New Roman" charset="0"/>
+                      </a:endParaRPr>
+                    </a:p>
+                  </a:txBody>
+                  <a:tcPr marL="34654" marR="34654" marT="0" marB="0"/>
+                </a:tc>
+                <a:tc>
+                  <a:txBody>
+                    <a:bodyPr/>
+                    <a:lstStyle/>
+                    <a:p>
+                      <a:pPr marL="0" marR="0" algn="l">
+                        <a:spcBef>
+                          <a:spcPts val="0"/>
+                        </a:spcBef>
+                        <a:spcAft>
+                          <a:spcPts val="0"/>
+                        </a:spcAft>
+                      </a:pPr>
+                      <a:r>
+                        <a:rPr lang="en-US" sz="1400" kern="0" dirty="0">
+                          <a:effectLst/>
+                          <a:latin typeface="+mn-lt"/>
+                        </a:rPr>
+                        <a:t>Task</a:t>
+                      </a:r>
+                      <a:endParaRPr lang="en-US" sz="1400" kern="100" dirty="0">
+                        <a:effectLst/>
+                        <a:latin typeface="+mn-lt"/>
+                        <a:ea typeface="宋体" charset="-122"/>
+                        <a:cs typeface="Times New Roman" charset="0"/>
+                      </a:endParaRPr>
+                    </a:p>
+                  </a:txBody>
+                  <a:tcPr marL="34654" marR="34654" marT="0" marB="0"/>
+                </a:tc>
+                <a:tc>
+                  <a:txBody>
+                    <a:bodyPr/>
+                    <a:lstStyle/>
+                    <a:p>
+                      <a:pPr marL="0" marR="0" algn="l">
+                        <a:spcBef>
+                          <a:spcPts val="0"/>
+                        </a:spcBef>
+                        <a:spcAft>
+                          <a:spcPts val="0"/>
+                        </a:spcAft>
+                      </a:pPr>
+                      <a:r>
+                        <a:rPr lang="en-US" sz="1400" kern="0">
+                          <a:effectLst/>
+                          <a:latin typeface="+mn-lt"/>
+                        </a:rPr>
+                        <a:t>Date introduced</a:t>
+                      </a:r>
+                      <a:endParaRPr lang="en-US" sz="1400" kern="100">
+                        <a:effectLst/>
+                        <a:latin typeface="+mn-lt"/>
+                        <a:ea typeface="宋体" charset="-122"/>
+                        <a:cs typeface="Times New Roman" charset="0"/>
+                      </a:endParaRPr>
+                    </a:p>
+                  </a:txBody>
+                  <a:tcPr marL="34654" marR="34654" marT="0" marB="0"/>
+                </a:tc>
+                <a:tc>
+                  <a:txBody>
+                    <a:bodyPr/>
+                    <a:lstStyle/>
+                    <a:p>
+                      <a:pPr marL="0" marR="0" algn="l">
+                        <a:spcBef>
+                          <a:spcPts val="0"/>
+                        </a:spcBef>
+                        <a:spcAft>
+                          <a:spcPts val="0"/>
+                        </a:spcAft>
+                      </a:pPr>
+                      <a:r>
+                        <a:rPr lang="en-US" sz="1400" kern="0">
+                          <a:effectLst/>
+                          <a:latin typeface="+mn-lt"/>
+                        </a:rPr>
+                        <a:t>Date considered for implementation</a:t>
+                      </a:r>
+                      <a:endParaRPr lang="en-US" sz="1400" kern="100">
+                        <a:effectLst/>
+                        <a:latin typeface="+mn-lt"/>
+                        <a:ea typeface="宋体" charset="-122"/>
+                        <a:cs typeface="Times New Roman" charset="0"/>
+                      </a:endParaRPr>
+                    </a:p>
+                  </a:txBody>
+                  <a:tcPr marL="34654" marR="34654" marT="0" marB="0"/>
+                </a:tc>
+                <a:tc>
+                  <a:txBody>
+                    <a:bodyPr/>
+                    <a:lstStyle/>
+                    <a:p>
+                      <a:pPr marL="0" marR="0" algn="l">
+                        <a:spcBef>
+                          <a:spcPts val="0"/>
+                        </a:spcBef>
+                        <a:spcAft>
+                          <a:spcPts val="0"/>
+                        </a:spcAft>
+                      </a:pPr>
+                      <a:r>
+                        <a:rPr lang="en-US" sz="1400" kern="0">
+                          <a:effectLst/>
+                          <a:latin typeface="+mn-lt"/>
+                        </a:rPr>
+                        <a:t>Date completed</a:t>
+                      </a:r>
+                      <a:endParaRPr lang="en-US" sz="1400" kern="100">
+                        <a:effectLst/>
+                        <a:latin typeface="+mn-lt"/>
+                        <a:ea typeface="宋体" charset="-122"/>
+                        <a:cs typeface="Times New Roman" charset="0"/>
+                      </a:endParaRPr>
+                    </a:p>
+                  </a:txBody>
+                  <a:tcPr marL="34654" marR="34654" marT="0" marB="0"/>
+                </a:tc>
+                <a:tc>
+                  <a:txBody>
+                    <a:bodyPr/>
+                    <a:lstStyle/>
+                    <a:p>
+                      <a:pPr marL="0" marR="0" algn="l">
+                        <a:spcBef>
+                          <a:spcPts val="0"/>
+                        </a:spcBef>
+                        <a:spcAft>
+                          <a:spcPts val="0"/>
+                        </a:spcAft>
+                      </a:pPr>
+                      <a:r>
+                        <a:rPr lang="en-US" sz="1400" kern="0">
+                          <a:effectLst/>
+                          <a:latin typeface="+mn-lt"/>
+                        </a:rPr>
+                        <a:t>Developer responsible for</a:t>
+                      </a:r>
+                      <a:endParaRPr lang="en-US" sz="1400" kern="100">
+                        <a:effectLst/>
+                        <a:latin typeface="+mn-lt"/>
+                        <a:ea typeface="宋体" charset="-122"/>
+                        <a:cs typeface="Times New Roman" charset="0"/>
+                      </a:endParaRPr>
+                    </a:p>
+                  </a:txBody>
+                  <a:tcPr marL="34654" marR="34654" marT="0" marB="0"/>
+                </a:tc>
+              </a:tr>
+              <a:tr h="847092">
+                <a:tc>
+                  <a:txBody>
+                    <a:bodyPr/>
+                    <a:lstStyle/>
+                    <a:p>
+                      <a:pPr marL="0" marR="0" algn="l">
+                        <a:spcBef>
+                          <a:spcPts val="0"/>
+                        </a:spcBef>
+                        <a:spcAft>
+                          <a:spcPts val="0"/>
+                        </a:spcAft>
+                      </a:pPr>
+                      <a:r>
+                        <a:rPr lang="en-US" sz="1400" b="1" kern="0" dirty="0">
+                          <a:solidFill>
+                            <a:schemeClr val="bg1"/>
+                          </a:solidFill>
+                          <a:effectLst/>
+                          <a:latin typeface="+mn-lt"/>
+                          <a:ea typeface="Times New Roman" charset="0"/>
+                          <a:cs typeface="Times New Roman" charset="0"/>
+                        </a:rPr>
+                        <a:t>43</a:t>
+                      </a:r>
+                      <a:endParaRPr lang="en-US" sz="1400" kern="100" dirty="0">
+                        <a:solidFill>
+                          <a:schemeClr val="bg1"/>
+                        </a:solidFill>
+                        <a:effectLst/>
+                        <a:latin typeface="+mn-lt"/>
+                        <a:ea typeface="宋体" charset="-122"/>
+                        <a:cs typeface="Times New Roman" charset="0"/>
+                      </a:endParaRPr>
+                    </a:p>
+                  </a:txBody>
+                  <a:tcPr marL="68580" marR="68580" marT="0" marB="0"/>
+                </a:tc>
+                <a:tc>
+                  <a:txBody>
+                    <a:bodyPr/>
+                    <a:lstStyle/>
+                    <a:p>
+                      <a:pPr marL="0" marR="0" algn="l">
+                        <a:spcBef>
+                          <a:spcPts val="0"/>
+                        </a:spcBef>
+                        <a:spcAft>
+                          <a:spcPts val="0"/>
+                        </a:spcAft>
+                      </a:pPr>
+                      <a:r>
+                        <a:rPr lang="en-US" sz="1400" b="0" kern="0" dirty="0">
+                          <a:solidFill>
+                            <a:srgbClr val="000000"/>
+                          </a:solidFill>
+                          <a:effectLst/>
+                          <a:latin typeface="+mn-lt"/>
+                          <a:ea typeface="Times New Roman" charset="0"/>
+                          <a:cs typeface="Times New Roman" charset="0"/>
+                        </a:rPr>
+                        <a:t>13</a:t>
+                      </a:r>
+                      <a:endParaRPr lang="en-US" sz="1400" b="0" kern="100" dirty="0">
+                        <a:effectLst/>
+                        <a:latin typeface="+mn-lt"/>
+                        <a:ea typeface="宋体" charset="-122"/>
+                        <a:cs typeface="Times New Roman" charset="0"/>
+                      </a:endParaRPr>
+                    </a:p>
+                  </a:txBody>
+                  <a:tcPr marL="68580" marR="68580" marT="0" marB="0"/>
+                </a:tc>
+                <a:tc>
+                  <a:txBody>
+                    <a:bodyPr/>
+                    <a:lstStyle/>
+                    <a:p>
+                      <a:pPr marL="0" marR="0" algn="l">
+                        <a:spcBef>
+                          <a:spcPts val="0"/>
+                        </a:spcBef>
+                        <a:spcAft>
+                          <a:spcPts val="0"/>
+                        </a:spcAft>
+                      </a:pPr>
+                      <a:r>
+                        <a:rPr lang="en-US" sz="1400" b="0" kern="0" dirty="0">
+                          <a:solidFill>
+                            <a:srgbClr val="000000"/>
+                          </a:solidFill>
+                          <a:effectLst/>
+                          <a:latin typeface="+mn-lt"/>
+                          <a:ea typeface="Times New Roman" charset="0"/>
+                          <a:cs typeface="Times New Roman" charset="0"/>
+                        </a:rPr>
+                        <a:t>Test the GUI of displaying current target</a:t>
+                      </a:r>
+                      <a:endParaRPr lang="en-US" sz="1400" b="0" kern="100" dirty="0">
+                        <a:effectLst/>
+                        <a:latin typeface="+mn-lt"/>
+                        <a:ea typeface="宋体" charset="-122"/>
+                        <a:cs typeface="Times New Roman" charset="0"/>
+                      </a:endParaRPr>
+                    </a:p>
+                  </a:txBody>
+                  <a:tcPr marL="68580" marR="68580" marT="0" marB="0"/>
+                </a:tc>
+                <a:tc>
+                  <a:txBody>
+                    <a:bodyPr/>
+                    <a:lstStyle/>
+                    <a:p>
+                      <a:pPr marL="0" marR="0" algn="l">
+                        <a:spcBef>
+                          <a:spcPts val="0"/>
+                        </a:spcBef>
+                        <a:spcAft>
+                          <a:spcPts val="0"/>
+                        </a:spcAft>
+                      </a:pPr>
+                      <a:r>
+                        <a:rPr lang="en-US" sz="1400" b="0" kern="0">
+                          <a:solidFill>
+                            <a:srgbClr val="000000"/>
+                          </a:solidFill>
+                          <a:effectLst/>
+                          <a:latin typeface="+mn-lt"/>
+                          <a:ea typeface="Times New Roman" charset="0"/>
+                          <a:cs typeface="Times New Roman" charset="0"/>
+                        </a:rPr>
+                        <a:t>Apr 21, 2017</a:t>
+                      </a:r>
+                      <a:endParaRPr lang="en-US" sz="1400" b="0" kern="100">
+                        <a:effectLst/>
+                        <a:latin typeface="+mn-lt"/>
+                        <a:ea typeface="宋体" charset="-122"/>
+                        <a:cs typeface="Times New Roman" charset="0"/>
+                      </a:endParaRPr>
+                    </a:p>
+                  </a:txBody>
+                  <a:tcPr marL="68580" marR="68580" marT="0" marB="0"/>
+                </a:tc>
+                <a:tc>
+                  <a:txBody>
+                    <a:bodyPr/>
+                    <a:lstStyle/>
+                    <a:p>
+                      <a:pPr marL="0" marR="0" algn="l">
+                        <a:spcBef>
+                          <a:spcPts val="0"/>
+                        </a:spcBef>
+                        <a:spcAft>
+                          <a:spcPts val="0"/>
+                        </a:spcAft>
+                      </a:pPr>
+                      <a:r>
+                        <a:rPr lang="en-US" sz="1400" b="0" kern="0">
+                          <a:solidFill>
+                            <a:srgbClr val="000000"/>
+                          </a:solidFill>
+                          <a:effectLst/>
+                          <a:latin typeface="+mn-lt"/>
+                          <a:ea typeface="Times New Roman" charset="0"/>
+                          <a:cs typeface="Times New Roman" charset="0"/>
+                        </a:rPr>
+                        <a:t>Apr 28, 2017</a:t>
+                      </a:r>
+                      <a:endParaRPr lang="en-US" sz="1400" b="0" kern="100">
+                        <a:effectLst/>
+                        <a:latin typeface="+mn-lt"/>
+                        <a:ea typeface="宋体" charset="-122"/>
+                        <a:cs typeface="Times New Roman" charset="0"/>
+                      </a:endParaRPr>
+                    </a:p>
+                  </a:txBody>
+                  <a:tcPr marL="68580" marR="68580" marT="0" marB="0"/>
+                </a:tc>
+                <a:tc>
+                  <a:txBody>
+                    <a:bodyPr/>
+                    <a:lstStyle/>
+                    <a:p>
+                      <a:pPr marL="0" marR="0" algn="l">
+                        <a:spcBef>
+                          <a:spcPts val="0"/>
+                        </a:spcBef>
+                        <a:spcAft>
+                          <a:spcPts val="0"/>
+                        </a:spcAft>
+                      </a:pPr>
+                      <a:r>
+                        <a:rPr lang="en-US" sz="1400" b="0" kern="0">
+                          <a:solidFill>
+                            <a:srgbClr val="000000"/>
+                          </a:solidFill>
+                          <a:effectLst/>
+                          <a:latin typeface="+mn-lt"/>
+                          <a:ea typeface="Times New Roman" charset="0"/>
+                          <a:cs typeface="Times New Roman" charset="0"/>
+                        </a:rPr>
+                        <a:t> </a:t>
+                      </a:r>
+                      <a:endParaRPr lang="en-US" sz="1400" b="0" kern="100">
+                        <a:effectLst/>
+                        <a:latin typeface="+mn-lt"/>
+                        <a:ea typeface="宋体" charset="-122"/>
+                        <a:cs typeface="Times New Roman" charset="0"/>
+                      </a:endParaRPr>
+                    </a:p>
+                  </a:txBody>
+                  <a:tcPr marL="68580" marR="68580" marT="0" marB="0"/>
+                </a:tc>
+                <a:tc>
+                  <a:txBody>
+                    <a:bodyPr/>
+                    <a:lstStyle/>
+                    <a:p>
+                      <a:pPr marL="0" marR="0" algn="l">
+                        <a:spcBef>
+                          <a:spcPts val="0"/>
+                        </a:spcBef>
+                        <a:spcAft>
+                          <a:spcPts val="0"/>
+                        </a:spcAft>
+                      </a:pPr>
+                      <a:r>
+                        <a:rPr lang="en-US" sz="1400" b="0" kern="0">
+                          <a:solidFill>
+                            <a:srgbClr val="000000"/>
+                          </a:solidFill>
+                          <a:effectLst/>
+                          <a:latin typeface="+mn-lt"/>
+                          <a:ea typeface="Times New Roman" charset="0"/>
+                          <a:cs typeface="Times New Roman" charset="0"/>
+                        </a:rPr>
+                        <a:t>Sheng</a:t>
+                      </a:r>
+                      <a:endParaRPr lang="en-US" sz="1400" b="0" kern="100">
+                        <a:effectLst/>
+                        <a:latin typeface="+mn-lt"/>
+                        <a:ea typeface="宋体" charset="-122"/>
+                        <a:cs typeface="Times New Roman" charset="0"/>
+                      </a:endParaRPr>
+                    </a:p>
+                  </a:txBody>
+                  <a:tcPr marL="68580" marR="68580" marT="0" marB="0"/>
+                </a:tc>
+              </a:tr>
+              <a:tr h="924100">
+                <a:tc>
+                  <a:txBody>
+                    <a:bodyPr/>
+                    <a:lstStyle/>
+                    <a:p>
+                      <a:pPr marL="0" marR="0" algn="l">
+                        <a:spcBef>
+                          <a:spcPts val="0"/>
+                        </a:spcBef>
+                        <a:spcAft>
+                          <a:spcPts val="0"/>
+                        </a:spcAft>
+                      </a:pPr>
+                      <a:r>
+                        <a:rPr lang="en-US" sz="1400" b="1" kern="0" dirty="0">
+                          <a:solidFill>
+                            <a:schemeClr val="bg1"/>
+                          </a:solidFill>
+                          <a:effectLst/>
+                          <a:latin typeface="+mn-lt"/>
+                          <a:ea typeface="Times New Roman" charset="0"/>
+                          <a:cs typeface="Times New Roman" charset="0"/>
+                        </a:rPr>
+                        <a:t>44</a:t>
+                      </a:r>
+                      <a:endParaRPr lang="en-US" sz="1400" kern="100" dirty="0">
+                        <a:solidFill>
+                          <a:schemeClr val="bg1"/>
+                        </a:solidFill>
+                        <a:effectLst/>
+                        <a:latin typeface="+mn-lt"/>
+                        <a:ea typeface="宋体" charset="-122"/>
+                        <a:cs typeface="Times New Roman" charset="0"/>
+                      </a:endParaRPr>
+                    </a:p>
+                  </a:txBody>
+                  <a:tcPr marL="68580" marR="68580" marT="0" marB="0"/>
+                </a:tc>
+                <a:tc>
+                  <a:txBody>
+                    <a:bodyPr/>
+                    <a:lstStyle/>
+                    <a:p>
+                      <a:pPr marL="0" marR="0" algn="l">
+                        <a:spcBef>
+                          <a:spcPts val="0"/>
+                        </a:spcBef>
+                        <a:spcAft>
+                          <a:spcPts val="0"/>
+                        </a:spcAft>
+                      </a:pPr>
+                      <a:r>
+                        <a:rPr lang="en-US" sz="1400" b="0" kern="0">
+                          <a:solidFill>
+                            <a:srgbClr val="000000"/>
+                          </a:solidFill>
+                          <a:effectLst/>
+                          <a:latin typeface="+mn-lt"/>
+                          <a:ea typeface="Times New Roman" charset="0"/>
+                          <a:cs typeface="Times New Roman" charset="0"/>
+                        </a:rPr>
+                        <a:t>4</a:t>
+                      </a:r>
+                      <a:endParaRPr lang="en-US" sz="1400" b="0" kern="100">
+                        <a:effectLst/>
+                        <a:latin typeface="+mn-lt"/>
+                        <a:ea typeface="宋体" charset="-122"/>
+                        <a:cs typeface="Times New Roman" charset="0"/>
+                      </a:endParaRPr>
+                    </a:p>
+                  </a:txBody>
+                  <a:tcPr marL="68580" marR="68580" marT="0" marB="0"/>
+                </a:tc>
+                <a:tc>
+                  <a:txBody>
+                    <a:bodyPr/>
+                    <a:lstStyle/>
+                    <a:p>
+                      <a:pPr marL="0" marR="0" algn="l">
+                        <a:spcBef>
+                          <a:spcPts val="0"/>
+                        </a:spcBef>
+                        <a:spcAft>
+                          <a:spcPts val="0"/>
+                        </a:spcAft>
+                      </a:pPr>
+                      <a:r>
+                        <a:rPr lang="en-US" sz="1400" b="0" kern="0" dirty="0">
+                          <a:solidFill>
+                            <a:srgbClr val="000000"/>
+                          </a:solidFill>
+                          <a:effectLst/>
+                          <a:latin typeface="+mn-lt"/>
+                          <a:ea typeface="Times New Roman" charset="0"/>
+                          <a:cs typeface="Times New Roman" charset="0"/>
+                        </a:rPr>
+                        <a:t>Test the test cases given by professor</a:t>
+                      </a:r>
+                      <a:endParaRPr lang="en-US" sz="1400" b="0" kern="100" dirty="0">
+                        <a:effectLst/>
+                        <a:latin typeface="+mn-lt"/>
+                        <a:ea typeface="宋体" charset="-122"/>
+                        <a:cs typeface="Times New Roman" charset="0"/>
+                      </a:endParaRPr>
+                    </a:p>
+                  </a:txBody>
+                  <a:tcPr marL="68580" marR="68580" marT="0" marB="0"/>
+                </a:tc>
+                <a:tc>
+                  <a:txBody>
+                    <a:bodyPr/>
+                    <a:lstStyle/>
+                    <a:p>
+                      <a:pPr marL="0" marR="0" algn="l">
+                        <a:spcBef>
+                          <a:spcPts val="0"/>
+                        </a:spcBef>
+                        <a:spcAft>
+                          <a:spcPts val="0"/>
+                        </a:spcAft>
+                      </a:pPr>
+                      <a:r>
+                        <a:rPr lang="en-US" sz="1400" b="0" kern="0" dirty="0">
+                          <a:solidFill>
+                            <a:srgbClr val="000000"/>
+                          </a:solidFill>
+                          <a:effectLst/>
+                          <a:latin typeface="+mn-lt"/>
+                          <a:ea typeface="Times New Roman" charset="0"/>
+                          <a:cs typeface="Times New Roman" charset="0"/>
+                        </a:rPr>
+                        <a:t>Apr 21, 2017</a:t>
+                      </a:r>
+                      <a:endParaRPr lang="en-US" sz="1400" b="0" kern="100" dirty="0">
+                        <a:effectLst/>
+                        <a:latin typeface="+mn-lt"/>
+                        <a:ea typeface="宋体" charset="-122"/>
+                        <a:cs typeface="Times New Roman" charset="0"/>
+                      </a:endParaRPr>
+                    </a:p>
+                  </a:txBody>
+                  <a:tcPr marL="68580" marR="68580" marT="0" marB="0"/>
+                </a:tc>
+                <a:tc>
+                  <a:txBody>
+                    <a:bodyPr/>
+                    <a:lstStyle/>
+                    <a:p>
+                      <a:pPr marL="0" marR="0" algn="l">
+                        <a:spcBef>
+                          <a:spcPts val="0"/>
+                        </a:spcBef>
+                        <a:spcAft>
+                          <a:spcPts val="0"/>
+                        </a:spcAft>
+                      </a:pPr>
+                      <a:r>
+                        <a:rPr lang="en-US" sz="1400" b="0" kern="0" dirty="0">
+                          <a:solidFill>
+                            <a:srgbClr val="000000"/>
+                          </a:solidFill>
+                          <a:effectLst/>
+                          <a:latin typeface="+mn-lt"/>
+                          <a:ea typeface="Times New Roman" charset="0"/>
+                          <a:cs typeface="Times New Roman" charset="0"/>
+                        </a:rPr>
+                        <a:t>Apr 28, 2017</a:t>
+                      </a:r>
+                      <a:endParaRPr lang="en-US" sz="1400" b="0" kern="100" dirty="0">
+                        <a:effectLst/>
+                        <a:latin typeface="+mn-lt"/>
+                        <a:ea typeface="宋体" charset="-122"/>
+                        <a:cs typeface="Times New Roman" charset="0"/>
+                      </a:endParaRPr>
+                    </a:p>
+                    <a:p>
+                      <a:pPr marL="0" marR="0" algn="ctr">
+                        <a:spcBef>
+                          <a:spcPts val="0"/>
+                        </a:spcBef>
+                        <a:spcAft>
+                          <a:spcPts val="0"/>
+                        </a:spcAft>
+                      </a:pPr>
+                      <a:r>
+                        <a:rPr lang="en-US" sz="1400" b="0" kern="100" dirty="0">
+                          <a:effectLst/>
+                          <a:latin typeface="+mn-lt"/>
+                          <a:ea typeface="Times New Roman" charset="0"/>
+                          <a:cs typeface="Times New Roman" charset="0"/>
+                        </a:rPr>
+                        <a:t> </a:t>
+                      </a:r>
+                      <a:endParaRPr lang="en-US" sz="1400" b="0" kern="100" dirty="0">
+                        <a:effectLst/>
+                        <a:latin typeface="+mn-lt"/>
+                        <a:ea typeface="宋体" charset="-122"/>
+                        <a:cs typeface="Times New Roman" charset="0"/>
+                      </a:endParaRPr>
+                    </a:p>
+                  </a:txBody>
+                  <a:tcPr marL="68580" marR="68580" marT="0" marB="0"/>
+                </a:tc>
+                <a:tc>
+                  <a:txBody>
+                    <a:bodyPr/>
+                    <a:lstStyle/>
+                    <a:p>
+                      <a:pPr marL="0" marR="0" algn="l">
+                        <a:spcBef>
+                          <a:spcPts val="0"/>
+                        </a:spcBef>
+                        <a:spcAft>
+                          <a:spcPts val="0"/>
+                        </a:spcAft>
+                      </a:pPr>
+                      <a:r>
+                        <a:rPr lang="en-US" sz="1400" b="0" kern="0">
+                          <a:solidFill>
+                            <a:srgbClr val="000000"/>
+                          </a:solidFill>
+                          <a:effectLst/>
+                          <a:latin typeface="+mn-lt"/>
+                          <a:ea typeface="Times New Roman" charset="0"/>
+                          <a:cs typeface="Times New Roman" charset="0"/>
+                        </a:rPr>
+                        <a:t> </a:t>
+                      </a:r>
+                      <a:endParaRPr lang="en-US" sz="1400" b="0" kern="100">
+                        <a:effectLst/>
+                        <a:latin typeface="+mn-lt"/>
+                        <a:ea typeface="宋体" charset="-122"/>
+                        <a:cs typeface="Times New Roman" charset="0"/>
+                      </a:endParaRPr>
+                    </a:p>
+                  </a:txBody>
+                  <a:tcPr marL="68580" marR="68580" marT="0" marB="0"/>
+                </a:tc>
+                <a:tc>
+                  <a:txBody>
+                    <a:bodyPr/>
+                    <a:lstStyle/>
+                    <a:p>
+                      <a:pPr marL="0" marR="0" algn="l">
+                        <a:spcBef>
+                          <a:spcPts val="0"/>
+                        </a:spcBef>
+                        <a:spcAft>
+                          <a:spcPts val="0"/>
+                        </a:spcAft>
+                      </a:pPr>
+                      <a:r>
+                        <a:rPr lang="en-US" sz="1400" b="0" kern="0">
+                          <a:solidFill>
+                            <a:srgbClr val="000000"/>
+                          </a:solidFill>
+                          <a:effectLst/>
+                          <a:latin typeface="+mn-lt"/>
+                          <a:ea typeface="Times New Roman" charset="0"/>
+                          <a:cs typeface="Times New Roman" charset="0"/>
+                        </a:rPr>
+                        <a:t>Sheng, Chaohui, Yifan</a:t>
+                      </a:r>
+                      <a:endParaRPr lang="en-US" sz="1400" b="0" kern="100">
+                        <a:effectLst/>
+                        <a:latin typeface="+mn-lt"/>
+                        <a:ea typeface="宋体" charset="-122"/>
+                        <a:cs typeface="Times New Roman" charset="0"/>
+                      </a:endParaRPr>
+                    </a:p>
+                  </a:txBody>
+                  <a:tcPr marL="68580" marR="68580" marT="0" marB="0"/>
+                </a:tc>
+              </a:tr>
+              <a:tr h="616067">
+                <a:tc>
+                  <a:txBody>
+                    <a:bodyPr/>
+                    <a:lstStyle/>
+                    <a:p>
+                      <a:pPr marL="0" marR="0" algn="l">
+                        <a:spcBef>
+                          <a:spcPts val="0"/>
+                        </a:spcBef>
+                        <a:spcAft>
+                          <a:spcPts val="0"/>
+                        </a:spcAft>
+                      </a:pPr>
+                      <a:r>
+                        <a:rPr lang="en-US" sz="1400" b="1" kern="0" dirty="0">
+                          <a:solidFill>
+                            <a:schemeClr val="bg1"/>
+                          </a:solidFill>
+                          <a:effectLst/>
+                          <a:latin typeface="+mn-lt"/>
+                          <a:ea typeface="Times New Roman" charset="0"/>
+                          <a:cs typeface="Times New Roman" charset="0"/>
+                        </a:rPr>
+                        <a:t>45</a:t>
+                      </a:r>
+                      <a:endParaRPr lang="en-US" sz="1400" kern="100" dirty="0">
+                        <a:solidFill>
+                          <a:schemeClr val="bg1"/>
+                        </a:solidFill>
+                        <a:effectLst/>
+                        <a:latin typeface="+mn-lt"/>
+                        <a:ea typeface="宋体" charset="-122"/>
+                        <a:cs typeface="Times New Roman" charset="0"/>
+                      </a:endParaRPr>
+                    </a:p>
+                  </a:txBody>
+                  <a:tcPr marL="68580" marR="68580" marT="0" marB="0"/>
+                </a:tc>
+                <a:tc>
+                  <a:txBody>
+                    <a:bodyPr/>
+                    <a:lstStyle/>
+                    <a:p>
+                      <a:pPr marL="0" marR="0" algn="l">
+                        <a:spcBef>
+                          <a:spcPts val="0"/>
+                        </a:spcBef>
+                        <a:spcAft>
+                          <a:spcPts val="0"/>
+                        </a:spcAft>
+                      </a:pPr>
+                      <a:r>
+                        <a:rPr lang="en-US" sz="1400" b="0" kern="0">
+                          <a:solidFill>
+                            <a:srgbClr val="000000"/>
+                          </a:solidFill>
+                          <a:effectLst/>
+                          <a:latin typeface="+mn-lt"/>
+                          <a:ea typeface="Times New Roman" charset="0"/>
+                          <a:cs typeface="Times New Roman" charset="0"/>
+                        </a:rPr>
+                        <a:t>7</a:t>
+                      </a:r>
+                      <a:endParaRPr lang="en-US" sz="1400" b="0" kern="100">
+                        <a:effectLst/>
+                        <a:latin typeface="+mn-lt"/>
+                        <a:ea typeface="宋体" charset="-122"/>
+                        <a:cs typeface="Times New Roman" charset="0"/>
+                      </a:endParaRPr>
+                    </a:p>
+                  </a:txBody>
+                  <a:tcPr marL="68580" marR="68580" marT="0" marB="0"/>
+                </a:tc>
+                <a:tc>
+                  <a:txBody>
+                    <a:bodyPr/>
+                    <a:lstStyle/>
+                    <a:p>
+                      <a:pPr marL="0" marR="0" algn="l">
+                        <a:spcBef>
+                          <a:spcPts val="0"/>
+                        </a:spcBef>
+                        <a:spcAft>
+                          <a:spcPts val="0"/>
+                        </a:spcAft>
+                      </a:pPr>
+                      <a:r>
+                        <a:rPr lang="en-US" sz="1400" b="0" kern="0">
+                          <a:solidFill>
+                            <a:srgbClr val="000000"/>
+                          </a:solidFill>
+                          <a:effectLst/>
+                          <a:latin typeface="+mn-lt"/>
+                          <a:ea typeface="Times New Roman" charset="0"/>
+                          <a:cs typeface="Times New Roman" charset="0"/>
+                        </a:rPr>
+                        <a:t>Test if error messages are displayed accurately</a:t>
+                      </a:r>
+                      <a:endParaRPr lang="en-US" sz="1400" b="0" kern="100">
+                        <a:effectLst/>
+                        <a:latin typeface="+mn-lt"/>
+                        <a:ea typeface="宋体" charset="-122"/>
+                        <a:cs typeface="Times New Roman" charset="0"/>
+                      </a:endParaRPr>
+                    </a:p>
+                    <a:p>
+                      <a:pPr marL="0" marR="0" algn="ctr">
+                        <a:spcBef>
+                          <a:spcPts val="0"/>
+                        </a:spcBef>
+                        <a:spcAft>
+                          <a:spcPts val="0"/>
+                        </a:spcAft>
+                      </a:pPr>
+                      <a:r>
+                        <a:rPr lang="en-US" sz="1400" b="0" kern="100">
+                          <a:effectLst/>
+                          <a:latin typeface="+mn-lt"/>
+                          <a:ea typeface="Times New Roman" charset="0"/>
+                          <a:cs typeface="Times New Roman" charset="0"/>
+                        </a:rPr>
+                        <a:t> </a:t>
+                      </a:r>
+                      <a:endParaRPr lang="en-US" sz="1400" b="0" kern="100">
+                        <a:effectLst/>
+                        <a:latin typeface="+mn-lt"/>
+                        <a:ea typeface="宋体" charset="-122"/>
+                        <a:cs typeface="Times New Roman" charset="0"/>
+                      </a:endParaRPr>
+                    </a:p>
+                  </a:txBody>
+                  <a:tcPr marL="68580" marR="68580" marT="0" marB="0"/>
+                </a:tc>
+                <a:tc>
+                  <a:txBody>
+                    <a:bodyPr/>
+                    <a:lstStyle/>
+                    <a:p>
+                      <a:pPr marL="0" marR="0" algn="l">
+                        <a:spcBef>
+                          <a:spcPts val="0"/>
+                        </a:spcBef>
+                        <a:spcAft>
+                          <a:spcPts val="0"/>
+                        </a:spcAft>
+                      </a:pPr>
+                      <a:r>
+                        <a:rPr lang="en-US" sz="1400" b="0" kern="0" dirty="0">
+                          <a:solidFill>
+                            <a:srgbClr val="000000"/>
+                          </a:solidFill>
+                          <a:effectLst/>
+                          <a:latin typeface="+mn-lt"/>
+                          <a:ea typeface="Times New Roman" charset="0"/>
+                          <a:cs typeface="Times New Roman" charset="0"/>
+                        </a:rPr>
+                        <a:t>Apr 21, 2017</a:t>
+                      </a:r>
+                      <a:endParaRPr lang="en-US" sz="1400" b="0" kern="100" dirty="0">
+                        <a:effectLst/>
+                        <a:latin typeface="+mn-lt"/>
+                        <a:ea typeface="宋体" charset="-122"/>
+                        <a:cs typeface="Times New Roman" charset="0"/>
+                      </a:endParaRPr>
+                    </a:p>
+                  </a:txBody>
+                  <a:tcPr marL="68580" marR="68580" marT="0" marB="0"/>
+                </a:tc>
+                <a:tc>
+                  <a:txBody>
+                    <a:bodyPr/>
+                    <a:lstStyle/>
+                    <a:p>
+                      <a:pPr marL="0" marR="0" algn="l">
+                        <a:spcBef>
+                          <a:spcPts val="0"/>
+                        </a:spcBef>
+                        <a:spcAft>
+                          <a:spcPts val="0"/>
+                        </a:spcAft>
+                      </a:pPr>
+                      <a:r>
+                        <a:rPr lang="en-US" sz="1400" b="0" kern="0" dirty="0">
+                          <a:solidFill>
+                            <a:srgbClr val="000000"/>
+                          </a:solidFill>
+                          <a:effectLst/>
+                          <a:latin typeface="+mn-lt"/>
+                          <a:ea typeface="Times New Roman" charset="0"/>
+                          <a:cs typeface="Times New Roman" charset="0"/>
+                        </a:rPr>
+                        <a:t>Apr 28, 2017</a:t>
+                      </a:r>
+                      <a:endParaRPr lang="en-US" sz="1400" b="0" kern="100" dirty="0">
+                        <a:effectLst/>
+                        <a:latin typeface="+mn-lt"/>
+                        <a:ea typeface="宋体" charset="-122"/>
+                        <a:cs typeface="Times New Roman" charset="0"/>
+                      </a:endParaRPr>
+                    </a:p>
+                    <a:p>
+                      <a:pPr marL="0" marR="0" algn="l">
+                        <a:spcBef>
+                          <a:spcPts val="0"/>
+                        </a:spcBef>
+                        <a:spcAft>
+                          <a:spcPts val="0"/>
+                        </a:spcAft>
+                      </a:pPr>
+                      <a:r>
+                        <a:rPr lang="en-US" sz="1400" b="0" kern="0" dirty="0">
+                          <a:solidFill>
+                            <a:srgbClr val="000000"/>
+                          </a:solidFill>
+                          <a:effectLst/>
+                          <a:latin typeface="+mn-lt"/>
+                          <a:ea typeface="Times New Roman" charset="0"/>
+                          <a:cs typeface="Times New Roman" charset="0"/>
+                        </a:rPr>
+                        <a:t> </a:t>
+                      </a:r>
+                      <a:endParaRPr lang="en-US" sz="1400" b="0" kern="100" dirty="0">
+                        <a:effectLst/>
+                        <a:latin typeface="+mn-lt"/>
+                        <a:ea typeface="宋体" charset="-122"/>
+                        <a:cs typeface="Times New Roman" charset="0"/>
+                      </a:endParaRPr>
+                    </a:p>
+                  </a:txBody>
+                  <a:tcPr marL="68580" marR="68580" marT="0" marB="0"/>
+                </a:tc>
+                <a:tc>
+                  <a:txBody>
+                    <a:bodyPr/>
+                    <a:lstStyle/>
+                    <a:p>
+                      <a:pPr marL="0" marR="0" algn="l">
+                        <a:spcBef>
+                          <a:spcPts val="0"/>
+                        </a:spcBef>
+                        <a:spcAft>
+                          <a:spcPts val="0"/>
+                        </a:spcAft>
+                      </a:pPr>
+                      <a:r>
+                        <a:rPr lang="en-US" sz="1400" b="0" kern="0" dirty="0">
+                          <a:solidFill>
+                            <a:srgbClr val="000000"/>
+                          </a:solidFill>
+                          <a:effectLst/>
+                          <a:latin typeface="+mn-lt"/>
+                          <a:ea typeface="Times New Roman" charset="0"/>
+                          <a:cs typeface="Times New Roman" charset="0"/>
+                        </a:rPr>
+                        <a:t> </a:t>
+                      </a:r>
+                      <a:endParaRPr lang="en-US" sz="1400" b="0" kern="100" dirty="0">
+                        <a:effectLst/>
+                        <a:latin typeface="+mn-lt"/>
+                        <a:ea typeface="宋体" charset="-122"/>
+                        <a:cs typeface="Times New Roman" charset="0"/>
+                      </a:endParaRPr>
+                    </a:p>
+                  </a:txBody>
+                  <a:tcPr marL="68580" marR="68580" marT="0" marB="0"/>
+                </a:tc>
+                <a:tc>
+                  <a:txBody>
+                    <a:bodyPr/>
+                    <a:lstStyle/>
+                    <a:p>
+                      <a:pPr marL="0" marR="0" algn="l">
+                        <a:spcBef>
+                          <a:spcPts val="0"/>
+                        </a:spcBef>
+                        <a:spcAft>
+                          <a:spcPts val="0"/>
+                        </a:spcAft>
+                      </a:pPr>
+                      <a:r>
+                        <a:rPr lang="en-US" sz="1400" b="0" kern="0" dirty="0">
+                          <a:solidFill>
+                            <a:srgbClr val="000000"/>
+                          </a:solidFill>
+                          <a:effectLst/>
+                          <a:latin typeface="+mn-lt"/>
+                          <a:ea typeface="Times New Roman" charset="0"/>
+                          <a:cs typeface="Times New Roman" charset="0"/>
+                        </a:rPr>
+                        <a:t>Sheng</a:t>
+                      </a:r>
+                      <a:endParaRPr lang="en-US" sz="1400" b="0" kern="100" dirty="0">
+                        <a:effectLst/>
+                        <a:latin typeface="+mn-lt"/>
+                        <a:ea typeface="宋体" charset="-122"/>
+                        <a:cs typeface="Times New Roman" charset="0"/>
+                      </a:endParaRPr>
+                    </a:p>
+                  </a:txBody>
+                  <a:tcPr marL="68580" marR="68580" marT="0" marB="0"/>
+                </a:tc>
+              </a:tr>
+            </a:tbl>
+          </a:graphicData>
+        </a:graphic>
+      </p:graphicFrame>
     </p:spTree>
     <p:extLst>
       <p:ext uri="{BB962C8B-B14F-4D97-AF65-F5344CB8AC3E}">
-        <p14:creationId xmlns:p14="http://schemas.microsoft.com/office/powerpoint/2010/main" val="884619272"/>
+        <p14:creationId xmlns:p14="http://schemas.microsoft.com/office/powerpoint/2010/main" val="3872374928"/>
       </p:ext>
     </p:extLst>
   </p:cSld>
@@ -5323,7 +7806,7 @@
           <p:nvPr>
             <p:extLst>
               <p:ext uri="{386F3935-93C4-4BCD-93E2-E3B085C9AB24}">
-                <p16:designElem xmlns="" xmlns:p16="http://schemas.microsoft.com/office/powerpoint/2015/main" val="1"/>
+                <p16:designElem xmlns:p16="http://schemas.microsoft.com/office/powerpoint/2015/main" val="1"/>
               </p:ext>
             </p:extLst>
           </p:nvPr>
@@ -5374,7 +7857,7 @@
           <p:nvPr>
             <p:extLst>
               <p:ext uri="{386F3935-93C4-4BCD-93E2-E3B085C9AB24}">
-                <p16:designElem xmlns="" xmlns:p16="http://schemas.microsoft.com/office/powerpoint/2015/main" val="1"/>
+                <p16:designElem xmlns:p16="http://schemas.microsoft.com/office/powerpoint/2015/main" val="1"/>
               </p:ext>
             </p:extLst>
           </p:nvPr>
@@ -5420,7 +7903,7 @@
           <p:nvPr>
             <p:extLst>
               <p:ext uri="{386F3935-93C4-4BCD-93E2-E3B085C9AB24}">
-                <p16:designElem xmlns="" xmlns:p16="http://schemas.microsoft.com/office/powerpoint/2015/main" val="1"/>
+                <p16:designElem xmlns:p16="http://schemas.microsoft.com/office/powerpoint/2015/main" val="1"/>
               </p:ext>
             </p:extLst>
           </p:nvPr>
@@ -5516,7 +7999,15 @@
                   <a:srgbClr val="FFFFFF"/>
                 </a:solidFill>
               </a:rPr>
-              <a:t>Sprint Task 32</a:t>
+              <a:t>Sprint Task </a:t>
+            </a:r>
+            <a:r>
+              <a:rPr lang="en-US" altLang="zh-CN" sz="3600" dirty="0" smtClean="0">
+                <a:solidFill>
+                  <a:srgbClr val="FFFFFF"/>
+                </a:solidFill>
+              </a:rPr>
+              <a:t>38</a:t>
             </a:r>
             <a:endParaRPr lang="en-US" sz="3600" dirty="0">
               <a:solidFill>
@@ -5554,52 +8045,545 @@
                   <a:schemeClr val="bg1"/>
                 </a:solidFill>
               </a:rPr>
-              <a:t>Develop GUI to support selecting the parameters like date, time, size of the environment, number of regions, and number of steps for completion</a:t>
-            </a:r>
-            <a:r>
-              <a:rPr lang="zh-CN" altLang="en-US" sz="1600" dirty="0">
-                <a:solidFill>
-                  <a:schemeClr val="bg1"/>
-                </a:solidFill>
-              </a:rPr>
-              <a:t> </a:t>
+              <a:t>Modify the display of current target</a:t>
             </a:r>
             <a:endParaRPr lang="en-US" sz="1500" dirty="0">
               <a:solidFill>
-                <a:schemeClr val="bg1"/>
+                <a:srgbClr val="FFFFFF"/>
               </a:solidFill>
             </a:endParaRPr>
           </a:p>
         </p:txBody>
       </p:sp>
-      <p:pic>
-        <p:nvPicPr>
-          <p:cNvPr id="5" name="Picture 4"/>
-          <p:cNvPicPr>
-            <a:picLocks noChangeAspect="1"/>
-          </p:cNvPicPr>
-          <p:nvPr/>
-        </p:nvPicPr>
-        <p:blipFill>
-          <a:blip r:embed="rId2"/>
-          <a:stretch>
-            <a:fillRect/>
-          </a:stretch>
-        </p:blipFill>
-        <p:spPr>
-          <a:xfrm>
-            <a:off x="4322682" y="756919"/>
-            <a:ext cx="6591300" cy="5232400"/>
-          </a:xfrm>
-          <a:prstGeom prst="rect">
-            <a:avLst/>
-          </a:prstGeom>
-        </p:spPr>
-      </p:pic>
+      <p:graphicFrame>
+        <p:nvGraphicFramePr>
+          <p:cNvPr id="7" name="Table 6"/>
+          <p:cNvGraphicFramePr>
+            <a:graphicFrameLocks noGrp="1"/>
+          </p:cNvGraphicFramePr>
+          <p:nvPr>
+            <p:extLst>
+              <p:ext uri="{D42A27DB-BD31-4B8C-83A1-F6EECF244321}">
+                <p14:modId xmlns:p14="http://schemas.microsoft.com/office/powerpoint/2010/main" val="405662999"/>
+              </p:ext>
+            </p:extLst>
+          </p:nvPr>
+        </p:nvGraphicFramePr>
+        <p:xfrm>
+          <a:off x="4563022" y="1678696"/>
+          <a:ext cx="7164349" cy="3500607"/>
+        </p:xfrm>
+        <a:graphic>
+          <a:graphicData uri="http://schemas.openxmlformats.org/drawingml/2006/table">
+            <a:tbl>
+              <a:tblPr firstRow="1" firstCol="1" bandRow="1">
+                <a:tableStyleId>{5C22544A-7EE6-4342-B048-85BDC9FD1C3A}</a:tableStyleId>
+              </a:tblPr>
+              <a:tblGrid>
+                <a:gridCol w="890675"/>
+                <a:gridCol w="2251800"/>
+                <a:gridCol w="2029985"/>
+                <a:gridCol w="1991889"/>
+              </a:tblGrid>
+              <a:tr h="219564">
+                <a:tc>
+                  <a:txBody>
+                    <a:bodyPr/>
+                    <a:lstStyle/>
+                    <a:p>
+                      <a:pPr marL="0" marR="0" algn="l">
+                        <a:spcBef>
+                          <a:spcPts val="0"/>
+                        </a:spcBef>
+                        <a:spcAft>
+                          <a:spcPts val="0"/>
+                        </a:spcAft>
+                      </a:pPr>
+                      <a:r>
+                        <a:rPr lang="en-US" sz="1400" kern="0">
+                          <a:effectLst/>
+                        </a:rPr>
+                        <a:t>Test case #sprint 6 </a:t>
+                      </a:r>
+                      <a:endParaRPr lang="en-US" sz="1400" kern="100">
+                        <a:effectLst/>
+                        <a:latin typeface="DengXian" charset="-122"/>
+                        <a:ea typeface="DengXian" charset="-122"/>
+                        <a:cs typeface="Times New Roman" charset="0"/>
+                      </a:endParaRPr>
+                    </a:p>
+                  </a:txBody>
+                  <a:tcPr marL="82684" marR="82684" marT="0" marB="0"/>
+                </a:tc>
+                <a:tc>
+                  <a:txBody>
+                    <a:bodyPr/>
+                    <a:lstStyle/>
+                    <a:p>
+                      <a:pPr marL="0" marR="0" algn="l">
+                        <a:spcBef>
+                          <a:spcPts val="0"/>
+                        </a:spcBef>
+                        <a:spcAft>
+                          <a:spcPts val="0"/>
+                        </a:spcAft>
+                      </a:pPr>
+                      <a:r>
+                        <a:rPr lang="en-US" sz="1400" kern="0" dirty="0">
+                          <a:effectLst/>
+                        </a:rPr>
+                        <a:t>Scenario </a:t>
+                      </a:r>
+                      <a:endParaRPr lang="en-US" sz="1400" kern="100" dirty="0">
+                        <a:effectLst/>
+                        <a:latin typeface="DengXian" charset="-122"/>
+                        <a:ea typeface="DengXian" charset="-122"/>
+                        <a:cs typeface="Times New Roman" charset="0"/>
+                      </a:endParaRPr>
+                    </a:p>
+                  </a:txBody>
+                  <a:tcPr marL="82684" marR="82684" marT="0" marB="0"/>
+                </a:tc>
+                <a:tc>
+                  <a:txBody>
+                    <a:bodyPr/>
+                    <a:lstStyle/>
+                    <a:p>
+                      <a:pPr marL="0" marR="0" algn="l">
+                        <a:spcBef>
+                          <a:spcPts val="0"/>
+                        </a:spcBef>
+                        <a:spcAft>
+                          <a:spcPts val="0"/>
+                        </a:spcAft>
+                      </a:pPr>
+                      <a:r>
+                        <a:rPr lang="en-US" sz="1400" kern="0" dirty="0">
+                          <a:effectLst/>
+                        </a:rPr>
+                        <a:t>Input(s) </a:t>
+                      </a:r>
+                      <a:endParaRPr lang="en-US" sz="1400" kern="100" dirty="0">
+                        <a:effectLst/>
+                        <a:latin typeface="DengXian" charset="-122"/>
+                        <a:ea typeface="DengXian" charset="-122"/>
+                        <a:cs typeface="Times New Roman" charset="0"/>
+                      </a:endParaRPr>
+                    </a:p>
+                  </a:txBody>
+                  <a:tcPr marL="82684" marR="82684" marT="0" marB="0"/>
+                </a:tc>
+                <a:tc>
+                  <a:txBody>
+                    <a:bodyPr/>
+                    <a:lstStyle/>
+                    <a:p>
+                      <a:pPr marL="0" marR="0" algn="l">
+                        <a:spcBef>
+                          <a:spcPts val="0"/>
+                        </a:spcBef>
+                        <a:spcAft>
+                          <a:spcPts val="0"/>
+                        </a:spcAft>
+                      </a:pPr>
+                      <a:r>
+                        <a:rPr lang="en-US" sz="1400" kern="0">
+                          <a:effectLst/>
+                        </a:rPr>
+                        <a:t>Expected output </a:t>
+                      </a:r>
+                      <a:endParaRPr lang="en-US" sz="1400" kern="100">
+                        <a:effectLst/>
+                        <a:latin typeface="DengXian" charset="-122"/>
+                        <a:ea typeface="DengXian" charset="-122"/>
+                        <a:cs typeface="Times New Roman" charset="0"/>
+                      </a:endParaRPr>
+                    </a:p>
+                  </a:txBody>
+                  <a:tcPr marL="82684" marR="82684" marT="0" marB="0"/>
+                </a:tc>
+              </a:tr>
+              <a:tr h="878253">
+                <a:tc>
+                  <a:txBody>
+                    <a:bodyPr/>
+                    <a:lstStyle/>
+                    <a:p>
+                      <a:pPr marL="0" marR="0" algn="l">
+                        <a:spcBef>
+                          <a:spcPts val="0"/>
+                        </a:spcBef>
+                        <a:spcAft>
+                          <a:spcPts val="0"/>
+                        </a:spcAft>
+                      </a:pPr>
+                      <a:r>
+                        <a:rPr lang="en-US" sz="1400" kern="0" dirty="0">
+                          <a:effectLst/>
+                        </a:rPr>
+                        <a:t>1 </a:t>
+                      </a:r>
+                      <a:endParaRPr lang="en-US" sz="1400" kern="100" dirty="0">
+                        <a:effectLst/>
+                        <a:latin typeface="DengXian" charset="-122"/>
+                        <a:ea typeface="DengXian" charset="-122"/>
+                        <a:cs typeface="Times New Roman" charset="0"/>
+                      </a:endParaRPr>
+                    </a:p>
+                  </a:txBody>
+                  <a:tcPr marL="82684" marR="82684" marT="0" marB="0"/>
+                </a:tc>
+                <a:tc>
+                  <a:txBody>
+                    <a:bodyPr/>
+                    <a:lstStyle/>
+                    <a:p>
+                      <a:pPr marL="0" marR="0" algn="l">
+                        <a:spcBef>
+                          <a:spcPts val="0"/>
+                        </a:spcBef>
+                        <a:spcAft>
+                          <a:spcPts val="0"/>
+                        </a:spcAft>
+                      </a:pPr>
+                      <a:r>
+                        <a:rPr lang="en-US" sz="1400" kern="0" dirty="0">
+                          <a:effectLst/>
+                        </a:rPr>
+                        <a:t>User click “FINISHED”, then switch to graph view</a:t>
+                      </a:r>
+                      <a:endParaRPr lang="en-US" sz="1400" kern="100" dirty="0">
+                        <a:effectLst/>
+                        <a:latin typeface="DengXian" charset="-122"/>
+                        <a:ea typeface="DengXian" charset="-122"/>
+                        <a:cs typeface="Times New Roman" charset="0"/>
+                      </a:endParaRPr>
+                    </a:p>
+                  </a:txBody>
+                  <a:tcPr marL="82684" marR="82684" marT="0" marB="0"/>
+                </a:tc>
+                <a:tc>
+                  <a:txBody>
+                    <a:bodyPr/>
+                    <a:lstStyle/>
+                    <a:p>
+                      <a:pPr marL="0" marR="0" algn="l">
+                        <a:spcBef>
+                          <a:spcPts val="0"/>
+                        </a:spcBef>
+                        <a:spcAft>
+                          <a:spcPts val="0"/>
+                        </a:spcAft>
+                      </a:pPr>
+                      <a:r>
+                        <a:rPr lang="en-US" sz="1400" kern="0" dirty="0">
+                          <a:effectLst/>
+                        </a:rPr>
+                        <a:t>Button click</a:t>
+                      </a:r>
+                      <a:endParaRPr lang="en-US" sz="1400" kern="100" dirty="0">
+                        <a:effectLst/>
+                        <a:latin typeface="DengXian" charset="-122"/>
+                        <a:ea typeface="DengXian" charset="-122"/>
+                        <a:cs typeface="Times New Roman" charset="0"/>
+                      </a:endParaRPr>
+                    </a:p>
+                  </a:txBody>
+                  <a:tcPr marL="82684" marR="82684" marT="0" marB="0"/>
+                </a:tc>
+                <a:tc>
+                  <a:txBody>
+                    <a:bodyPr/>
+                    <a:lstStyle/>
+                    <a:p>
+                      <a:pPr marL="0" marR="0" algn="l">
+                        <a:spcBef>
+                          <a:spcPts val="0"/>
+                        </a:spcBef>
+                        <a:spcAft>
+                          <a:spcPts val="0"/>
+                        </a:spcAft>
+                      </a:pPr>
+                      <a:r>
+                        <a:rPr lang="en-US" sz="1400" kern="0" dirty="0">
+                          <a:effectLst/>
+                        </a:rPr>
+                        <a:t>The “current target” shows the target that selected by the agent</a:t>
+                      </a:r>
+                      <a:endParaRPr lang="en-US" sz="1400" kern="100" dirty="0">
+                        <a:effectLst/>
+                        <a:latin typeface="DengXian" charset="-122"/>
+                        <a:ea typeface="DengXian" charset="-122"/>
+                        <a:cs typeface="Times New Roman" charset="0"/>
+                      </a:endParaRPr>
+                    </a:p>
+                  </a:txBody>
+                  <a:tcPr marL="82684" marR="82684" marT="0" marB="0"/>
+                </a:tc>
+              </a:tr>
+              <a:tr h="878253">
+                <a:tc>
+                  <a:txBody>
+                    <a:bodyPr/>
+                    <a:lstStyle/>
+                    <a:p>
+                      <a:pPr marL="0" marR="0" algn="l">
+                        <a:spcBef>
+                          <a:spcPts val="0"/>
+                        </a:spcBef>
+                        <a:spcAft>
+                          <a:spcPts val="0"/>
+                        </a:spcAft>
+                      </a:pPr>
+                      <a:r>
+                        <a:rPr lang="en-US" sz="1400" kern="0">
+                          <a:effectLst/>
+                        </a:rPr>
+                        <a:t>2</a:t>
+                      </a:r>
+                      <a:endParaRPr lang="en-US" sz="1400" kern="100">
+                        <a:effectLst/>
+                        <a:latin typeface="DengXian" charset="-122"/>
+                        <a:ea typeface="DengXian" charset="-122"/>
+                        <a:cs typeface="Times New Roman" charset="0"/>
+                      </a:endParaRPr>
+                    </a:p>
+                  </a:txBody>
+                  <a:tcPr marL="82684" marR="82684" marT="0" marB="0"/>
+                </a:tc>
+                <a:tc>
+                  <a:txBody>
+                    <a:bodyPr/>
+                    <a:lstStyle/>
+                    <a:p>
+                      <a:pPr marL="0" marR="0" algn="l">
+                        <a:spcBef>
+                          <a:spcPts val="0"/>
+                        </a:spcBef>
+                        <a:spcAft>
+                          <a:spcPts val="0"/>
+                        </a:spcAft>
+                      </a:pPr>
+                      <a:r>
+                        <a:rPr lang="en-US" sz="1400" kern="0" dirty="0">
+                          <a:effectLst/>
+                        </a:rPr>
+                        <a:t>User click “RUN 1 STEP”, then an agent is arrived at its target</a:t>
+                      </a:r>
+                      <a:endParaRPr lang="en-US" sz="1400" kern="100" dirty="0">
+                        <a:effectLst/>
+                        <a:latin typeface="DengXian" charset="-122"/>
+                        <a:ea typeface="DengXian" charset="-122"/>
+                        <a:cs typeface="Times New Roman" charset="0"/>
+                      </a:endParaRPr>
+                    </a:p>
+                  </a:txBody>
+                  <a:tcPr marL="82684" marR="82684" marT="0" marB="0"/>
+                </a:tc>
+                <a:tc>
+                  <a:txBody>
+                    <a:bodyPr/>
+                    <a:lstStyle/>
+                    <a:p>
+                      <a:pPr marL="0" marR="0" algn="l">
+                        <a:spcBef>
+                          <a:spcPts val="0"/>
+                        </a:spcBef>
+                        <a:spcAft>
+                          <a:spcPts val="0"/>
+                        </a:spcAft>
+                      </a:pPr>
+                      <a:r>
+                        <a:rPr lang="en-US" sz="1400" kern="0" dirty="0">
+                          <a:effectLst/>
+                        </a:rPr>
+                        <a:t>Button click</a:t>
+                      </a:r>
+                      <a:endParaRPr lang="en-US" sz="1400" kern="100" dirty="0">
+                        <a:effectLst/>
+                        <a:latin typeface="DengXian" charset="-122"/>
+                        <a:ea typeface="DengXian" charset="-122"/>
+                        <a:cs typeface="Times New Roman" charset="0"/>
+                      </a:endParaRPr>
+                    </a:p>
+                  </a:txBody>
+                  <a:tcPr marL="82684" marR="82684" marT="0" marB="0"/>
+                </a:tc>
+                <a:tc>
+                  <a:txBody>
+                    <a:bodyPr/>
+                    <a:lstStyle/>
+                    <a:p>
+                      <a:pPr marL="0" marR="0" algn="l">
+                        <a:spcBef>
+                          <a:spcPts val="0"/>
+                        </a:spcBef>
+                        <a:spcAft>
+                          <a:spcPts val="0"/>
+                        </a:spcAft>
+                      </a:pPr>
+                      <a:r>
+                        <a:rPr lang="en-US" sz="1400" kern="0">
+                          <a:effectLst/>
+                        </a:rPr>
+                        <a:t>The “current target” of this agent is changed to the next target it selects</a:t>
+                      </a:r>
+                      <a:endParaRPr lang="en-US" sz="1400" kern="100">
+                        <a:effectLst/>
+                        <a:latin typeface="DengXian" charset="-122"/>
+                        <a:ea typeface="DengXian" charset="-122"/>
+                        <a:cs typeface="Times New Roman" charset="0"/>
+                      </a:endParaRPr>
+                    </a:p>
+                  </a:txBody>
+                  <a:tcPr marL="82684" marR="82684" marT="0" marB="0"/>
+                </a:tc>
+              </a:tr>
+              <a:tr h="1317381">
+                <a:tc>
+                  <a:txBody>
+                    <a:bodyPr/>
+                    <a:lstStyle/>
+                    <a:p>
+                      <a:pPr marL="0" marR="0" algn="l">
+                        <a:spcBef>
+                          <a:spcPts val="0"/>
+                        </a:spcBef>
+                        <a:spcAft>
+                          <a:spcPts val="0"/>
+                        </a:spcAft>
+                      </a:pPr>
+                      <a:r>
+                        <a:rPr lang="en-US" sz="1400" kern="0">
+                          <a:effectLst/>
+                        </a:rPr>
+                        <a:t>3</a:t>
+                      </a:r>
+                      <a:endParaRPr lang="en-US" sz="1400" kern="100">
+                        <a:effectLst/>
+                        <a:latin typeface="DengXian" charset="-122"/>
+                        <a:ea typeface="DengXian" charset="-122"/>
+                        <a:cs typeface="Times New Roman" charset="0"/>
+                      </a:endParaRPr>
+                    </a:p>
+                  </a:txBody>
+                  <a:tcPr marL="82684" marR="82684" marT="0" marB="0"/>
+                </a:tc>
+                <a:tc>
+                  <a:txBody>
+                    <a:bodyPr/>
+                    <a:lstStyle/>
+                    <a:p>
+                      <a:pPr marL="0" marR="0" algn="l">
+                        <a:spcBef>
+                          <a:spcPts val="0"/>
+                        </a:spcBef>
+                        <a:spcAft>
+                          <a:spcPts val="0"/>
+                        </a:spcAft>
+                      </a:pPr>
+                      <a:r>
+                        <a:rPr lang="en-US" sz="1400" kern="0">
+                          <a:effectLst/>
+                        </a:rPr>
+                        <a:t>User click “RUN 1 STEP”, then an agent is not arrived at its target </a:t>
+                      </a:r>
+                      <a:endParaRPr lang="en-US" sz="1400" kern="100">
+                        <a:effectLst/>
+                      </a:endParaRPr>
+                    </a:p>
+                    <a:p>
+                      <a:pPr marL="0" marR="0" algn="l">
+                        <a:spcBef>
+                          <a:spcPts val="0"/>
+                        </a:spcBef>
+                        <a:spcAft>
+                          <a:spcPts val="0"/>
+                        </a:spcAft>
+                      </a:pPr>
+                      <a:r>
+                        <a:rPr lang="en-US" sz="1400" kern="0">
+                          <a:effectLst/>
+                        </a:rPr>
+                        <a:t> </a:t>
+                      </a:r>
+                      <a:endParaRPr lang="en-US" sz="1400" kern="100">
+                        <a:effectLst/>
+                        <a:latin typeface="DengXian" charset="-122"/>
+                        <a:ea typeface="DengXian" charset="-122"/>
+                        <a:cs typeface="Times New Roman" charset="0"/>
+                      </a:endParaRPr>
+                    </a:p>
+                  </a:txBody>
+                  <a:tcPr marL="82684" marR="82684" marT="0" marB="0"/>
+                </a:tc>
+                <a:tc>
+                  <a:txBody>
+                    <a:bodyPr/>
+                    <a:lstStyle/>
+                    <a:p>
+                      <a:pPr marL="0" marR="0" algn="l">
+                        <a:spcBef>
+                          <a:spcPts val="0"/>
+                        </a:spcBef>
+                        <a:spcAft>
+                          <a:spcPts val="0"/>
+                        </a:spcAft>
+                      </a:pPr>
+                      <a:r>
+                        <a:rPr lang="en-US" sz="1400" kern="0" dirty="0">
+                          <a:effectLst/>
+                        </a:rPr>
+                        <a:t>Button click</a:t>
+                      </a:r>
+                      <a:endParaRPr lang="en-US" sz="1400" kern="100" dirty="0">
+                        <a:effectLst/>
+                        <a:latin typeface="DengXian" charset="-122"/>
+                        <a:ea typeface="DengXian" charset="-122"/>
+                        <a:cs typeface="Times New Roman" charset="0"/>
+                      </a:endParaRPr>
+                    </a:p>
+                  </a:txBody>
+                  <a:tcPr marL="82684" marR="82684" marT="0" marB="0"/>
+                </a:tc>
+                <a:tc>
+                  <a:txBody>
+                    <a:bodyPr/>
+                    <a:lstStyle/>
+                    <a:p>
+                      <a:pPr marL="0" marR="0" algn="l">
+                        <a:spcBef>
+                          <a:spcPts val="0"/>
+                        </a:spcBef>
+                        <a:spcAft>
+                          <a:spcPts val="0"/>
+                        </a:spcAft>
+                      </a:pPr>
+                      <a:r>
+                        <a:rPr lang="en-US" sz="1400" kern="0" dirty="0">
+                          <a:effectLst/>
+                        </a:rPr>
+                        <a:t>The “current target” of this agent is not changed</a:t>
+                      </a:r>
+                      <a:endParaRPr lang="en-US" sz="1400" kern="100" dirty="0">
+                        <a:effectLst/>
+                        <a:latin typeface="DengXian" charset="-122"/>
+                        <a:ea typeface="DengXian" charset="-122"/>
+                        <a:cs typeface="Times New Roman" charset="0"/>
+                      </a:endParaRPr>
+                    </a:p>
+                  </a:txBody>
+                  <a:tcPr marL="82684" marR="82684" marT="0" marB="0"/>
+                </a:tc>
+              </a:tr>
+            </a:tbl>
+          </a:graphicData>
+        </a:graphic>
+      </p:graphicFrame>
     </p:spTree>
     <p:extLst>
       <p:ext uri="{BB962C8B-B14F-4D97-AF65-F5344CB8AC3E}">
-        <p14:creationId xmlns:p14="http://schemas.microsoft.com/office/powerpoint/2010/main" val="1425164076"/>
+        <p14:creationId xmlns:p14="http://schemas.microsoft.com/office/powerpoint/2010/main" val="884619272"/>
       </p:ext>
     </p:extLst>
   </p:cSld>
@@ -5635,7 +8619,7 @@
           <p:nvPr>
             <p:extLst>
               <p:ext uri="{386F3935-93C4-4BCD-93E2-E3B085C9AB24}">
-                <p16:designElem xmlns="" xmlns:p16="http://schemas.microsoft.com/office/powerpoint/2015/main" val="1"/>
+                <p16:designElem xmlns:p16="http://schemas.microsoft.com/office/powerpoint/2015/main" val="1"/>
               </p:ext>
             </p:extLst>
           </p:nvPr>
@@ -5686,7 +8670,7 @@
           <p:nvPr>
             <p:extLst>
               <p:ext uri="{386F3935-93C4-4BCD-93E2-E3B085C9AB24}">
-                <p16:designElem xmlns="" xmlns:p16="http://schemas.microsoft.com/office/powerpoint/2015/main" val="1"/>
+                <p16:designElem xmlns:p16="http://schemas.microsoft.com/office/powerpoint/2015/main" val="1"/>
               </p:ext>
             </p:extLst>
           </p:nvPr>
@@ -5732,7 +8716,7 @@
           <p:nvPr>
             <p:extLst>
               <p:ext uri="{386F3935-93C4-4BCD-93E2-E3B085C9AB24}">
-                <p16:designElem xmlns="" xmlns:p16="http://schemas.microsoft.com/office/powerpoint/2015/main" val="1"/>
+                <p16:designElem xmlns:p16="http://schemas.microsoft.com/office/powerpoint/2015/main" val="1"/>
               </p:ext>
             </p:extLst>
           </p:nvPr>
@@ -5828,7 +8812,15 @@
                   <a:srgbClr val="FFFFFF"/>
                 </a:solidFill>
               </a:rPr>
-              <a:t>Sprint Task 33</a:t>
+              <a:t>Sprint Task </a:t>
+            </a:r>
+            <a:r>
+              <a:rPr lang="en-US" altLang="zh-CN" sz="3600" dirty="0" smtClean="0">
+                <a:solidFill>
+                  <a:srgbClr val="FFFFFF"/>
+                </a:solidFill>
+              </a:rPr>
+              <a:t>40</a:t>
             </a:r>
             <a:endParaRPr lang="en-US" sz="3600" dirty="0">
               <a:solidFill>
@@ -5866,52 +8858,880 @@
                   <a:schemeClr val="bg1"/>
                 </a:solidFill>
               </a:rPr>
-              <a:t>Validating the format and legitimacy of inputting file</a:t>
-            </a:r>
-            <a:r>
-              <a:rPr lang="zh-CN" altLang="en-US" sz="1600" dirty="0">
-                <a:solidFill>
-                  <a:schemeClr val="bg1"/>
-                </a:solidFill>
-              </a:rPr>
-              <a:t> </a:t>
+              <a:t>Modify the error message to be more specific</a:t>
             </a:r>
             <a:endParaRPr lang="en-US" sz="1500" dirty="0">
               <a:solidFill>
-                <a:schemeClr val="bg1"/>
+                <a:srgbClr val="FFFFFF"/>
               </a:solidFill>
             </a:endParaRPr>
           </a:p>
         </p:txBody>
       </p:sp>
-      <p:pic>
-        <p:nvPicPr>
-          <p:cNvPr id="4" name="Picture 3"/>
-          <p:cNvPicPr>
-            <a:picLocks noChangeAspect="1"/>
-          </p:cNvPicPr>
-          <p:nvPr/>
-        </p:nvPicPr>
-        <p:blipFill>
-          <a:blip r:embed="rId2"/>
-          <a:stretch>
-            <a:fillRect/>
-          </a:stretch>
-        </p:blipFill>
-        <p:spPr>
-          <a:xfrm>
-            <a:off x="4687262" y="1777500"/>
-            <a:ext cx="6807200" cy="1752600"/>
-          </a:xfrm>
-          <a:prstGeom prst="rect">
-            <a:avLst/>
-          </a:prstGeom>
-        </p:spPr>
-      </p:pic>
+      <p:graphicFrame>
+        <p:nvGraphicFramePr>
+          <p:cNvPr id="4" name="Table 3"/>
+          <p:cNvGraphicFramePr>
+            <a:graphicFrameLocks noGrp="1"/>
+          </p:cNvGraphicFramePr>
+          <p:nvPr>
+            <p:extLst>
+              <p:ext uri="{D42A27DB-BD31-4B8C-83A1-F6EECF244321}">
+                <p14:modId xmlns:p14="http://schemas.microsoft.com/office/powerpoint/2010/main" val="892204347"/>
+              </p:ext>
+            </p:extLst>
+          </p:nvPr>
+        </p:nvGraphicFramePr>
+        <p:xfrm>
+          <a:off x="4566935" y="281762"/>
+          <a:ext cx="7183954" cy="6294475"/>
+        </p:xfrm>
+        <a:graphic>
+          <a:graphicData uri="http://schemas.openxmlformats.org/drawingml/2006/table">
+            <a:tbl>
+              <a:tblPr firstRow="1" firstCol="1" bandRow="1">
+                <a:tableStyleId>{5C22544A-7EE6-4342-B048-85BDC9FD1C3A}</a:tableStyleId>
+              </a:tblPr>
+              <a:tblGrid>
+                <a:gridCol w="869964"/>
+                <a:gridCol w="2294988"/>
+                <a:gridCol w="2070663"/>
+                <a:gridCol w="1948339"/>
+              </a:tblGrid>
+              <a:tr h="423085">
+                <a:tc>
+                  <a:txBody>
+                    <a:bodyPr/>
+                    <a:lstStyle/>
+                    <a:p>
+                      <a:pPr marL="0" marR="0" algn="l">
+                        <a:spcBef>
+                          <a:spcPts val="0"/>
+                        </a:spcBef>
+                        <a:spcAft>
+                          <a:spcPts val="0"/>
+                        </a:spcAft>
+                      </a:pPr>
+                      <a:r>
+                        <a:rPr lang="en-US" sz="1400" kern="0">
+                          <a:effectLst/>
+                        </a:rPr>
+                        <a:t>Test case #sprint 6 </a:t>
+                      </a:r>
+                      <a:endParaRPr lang="en-US" sz="1400" kern="100">
+                        <a:effectLst/>
+                        <a:latin typeface="DengXian" charset="-122"/>
+                        <a:ea typeface="DengXian" charset="-122"/>
+                        <a:cs typeface="Times New Roman" charset="0"/>
+                      </a:endParaRPr>
+                    </a:p>
+                  </a:txBody>
+                  <a:tcPr marL="48662" marR="48662" marT="0" marB="0"/>
+                </a:tc>
+                <a:tc>
+                  <a:txBody>
+                    <a:bodyPr/>
+                    <a:lstStyle/>
+                    <a:p>
+                      <a:pPr marL="0" marR="0" algn="l">
+                        <a:spcBef>
+                          <a:spcPts val="0"/>
+                        </a:spcBef>
+                        <a:spcAft>
+                          <a:spcPts val="0"/>
+                        </a:spcAft>
+                      </a:pPr>
+                      <a:r>
+                        <a:rPr lang="en-US" sz="1400" kern="0" dirty="0">
+                          <a:effectLst/>
+                        </a:rPr>
+                        <a:t>Scenario </a:t>
+                      </a:r>
+                      <a:endParaRPr lang="en-US" sz="1400" kern="100" dirty="0">
+                        <a:effectLst/>
+                        <a:latin typeface="DengXian" charset="-122"/>
+                        <a:ea typeface="DengXian" charset="-122"/>
+                        <a:cs typeface="Times New Roman" charset="0"/>
+                      </a:endParaRPr>
+                    </a:p>
+                  </a:txBody>
+                  <a:tcPr marL="48662" marR="48662" marT="0" marB="0"/>
+                </a:tc>
+                <a:tc>
+                  <a:txBody>
+                    <a:bodyPr/>
+                    <a:lstStyle/>
+                    <a:p>
+                      <a:pPr marL="0" marR="0" algn="l">
+                        <a:spcBef>
+                          <a:spcPts val="0"/>
+                        </a:spcBef>
+                        <a:spcAft>
+                          <a:spcPts val="0"/>
+                        </a:spcAft>
+                      </a:pPr>
+                      <a:r>
+                        <a:rPr lang="en-US" sz="1400" kern="0">
+                          <a:effectLst/>
+                        </a:rPr>
+                        <a:t>Input(s) </a:t>
+                      </a:r>
+                      <a:endParaRPr lang="en-US" sz="1400" kern="100">
+                        <a:effectLst/>
+                        <a:latin typeface="DengXian" charset="-122"/>
+                        <a:ea typeface="DengXian" charset="-122"/>
+                        <a:cs typeface="Times New Roman" charset="0"/>
+                      </a:endParaRPr>
+                    </a:p>
+                  </a:txBody>
+                  <a:tcPr marL="48662" marR="48662" marT="0" marB="0"/>
+                </a:tc>
+                <a:tc>
+                  <a:txBody>
+                    <a:bodyPr/>
+                    <a:lstStyle/>
+                    <a:p>
+                      <a:pPr marL="0" marR="0" algn="l">
+                        <a:spcBef>
+                          <a:spcPts val="0"/>
+                        </a:spcBef>
+                        <a:spcAft>
+                          <a:spcPts val="0"/>
+                        </a:spcAft>
+                      </a:pPr>
+                      <a:r>
+                        <a:rPr lang="en-US" sz="1400" kern="0" dirty="0">
+                          <a:effectLst/>
+                        </a:rPr>
+                        <a:t>Expected output </a:t>
+                      </a:r>
+                      <a:endParaRPr lang="en-US" sz="1400" kern="100" dirty="0">
+                        <a:effectLst/>
+                        <a:latin typeface="DengXian" charset="-122"/>
+                        <a:ea typeface="DengXian" charset="-122"/>
+                        <a:cs typeface="Times New Roman" charset="0"/>
+                      </a:endParaRPr>
+                    </a:p>
+                  </a:txBody>
+                  <a:tcPr marL="48662" marR="48662" marT="0" marB="0"/>
+                </a:tc>
+              </a:tr>
+              <a:tr h="808761">
+                <a:tc>
+                  <a:txBody>
+                    <a:bodyPr/>
+                    <a:lstStyle/>
+                    <a:p>
+                      <a:pPr marL="0" marR="0" algn="l">
+                        <a:spcBef>
+                          <a:spcPts val="0"/>
+                        </a:spcBef>
+                        <a:spcAft>
+                          <a:spcPts val="0"/>
+                        </a:spcAft>
+                      </a:pPr>
+                      <a:r>
+                        <a:rPr lang="en-US" sz="1400" kern="0">
+                          <a:effectLst/>
+                        </a:rPr>
+                        <a:t>1</a:t>
+                      </a:r>
+                      <a:endParaRPr lang="en-US" sz="1400" kern="100">
+                        <a:effectLst/>
+                        <a:latin typeface="DengXian" charset="-122"/>
+                        <a:ea typeface="DengXian" charset="-122"/>
+                        <a:cs typeface="Times New Roman" charset="0"/>
+                      </a:endParaRPr>
+                    </a:p>
+                  </a:txBody>
+                  <a:tcPr marL="48662" marR="48662" marT="0" marB="0"/>
+                </a:tc>
+                <a:tc>
+                  <a:txBody>
+                    <a:bodyPr/>
+                    <a:lstStyle/>
+                    <a:p>
+                      <a:pPr marL="0" marR="0" algn="l">
+                        <a:spcBef>
+                          <a:spcPts val="0"/>
+                        </a:spcBef>
+                        <a:spcAft>
+                          <a:spcPts val="0"/>
+                        </a:spcAft>
+                      </a:pPr>
+                      <a:r>
+                        <a:rPr lang="en-US" sz="1400" kern="0" dirty="0">
+                          <a:effectLst/>
+                        </a:rPr>
+                        <a:t>User upload the configuration file with incorrect format</a:t>
+                      </a:r>
+                      <a:endParaRPr lang="en-US" sz="1400" kern="100" dirty="0">
+                        <a:effectLst/>
+                        <a:latin typeface="DengXian" charset="-122"/>
+                        <a:ea typeface="DengXian" charset="-122"/>
+                        <a:cs typeface="Times New Roman" charset="0"/>
+                      </a:endParaRPr>
+                    </a:p>
+                  </a:txBody>
+                  <a:tcPr marL="48662" marR="48662" marT="0" marB="0"/>
+                </a:tc>
+                <a:tc>
+                  <a:txBody>
+                    <a:bodyPr/>
+                    <a:lstStyle/>
+                    <a:p>
+                      <a:pPr marL="0" marR="0" algn="l">
+                        <a:spcBef>
+                          <a:spcPts val="0"/>
+                        </a:spcBef>
+                        <a:spcAft>
+                          <a:spcPts val="0"/>
+                        </a:spcAft>
+                      </a:pPr>
+                      <a:r>
+                        <a:rPr lang="en-US" sz="1400" kern="0" dirty="0">
+                          <a:effectLst/>
+                        </a:rPr>
+                        <a:t>Configuration file with incorrect format</a:t>
+                      </a:r>
+                      <a:endParaRPr lang="en-US" sz="1400" kern="100" dirty="0">
+                        <a:effectLst/>
+                        <a:latin typeface="DengXian" charset="-122"/>
+                        <a:ea typeface="DengXian" charset="-122"/>
+                        <a:cs typeface="Times New Roman" charset="0"/>
+                      </a:endParaRPr>
+                    </a:p>
+                  </a:txBody>
+                  <a:tcPr marL="48662" marR="48662" marT="0" marB="0"/>
+                </a:tc>
+                <a:tc>
+                  <a:txBody>
+                    <a:bodyPr/>
+                    <a:lstStyle/>
+                    <a:p>
+                      <a:pPr marL="0" marR="0" algn="l">
+                        <a:spcBef>
+                          <a:spcPts val="0"/>
+                        </a:spcBef>
+                        <a:spcAft>
+                          <a:spcPts val="0"/>
+                        </a:spcAft>
+                      </a:pPr>
+                      <a:r>
+                        <a:rPr lang="en-US" sz="1400" kern="0" dirty="0">
+                          <a:effectLst/>
+                        </a:rPr>
+                        <a:t>Prompt file format error</a:t>
+                      </a:r>
+                      <a:endParaRPr lang="en-US" sz="1400" kern="100" dirty="0">
+                        <a:effectLst/>
+                        <a:latin typeface="DengXian" charset="-122"/>
+                        <a:ea typeface="DengXian" charset="-122"/>
+                        <a:cs typeface="Times New Roman" charset="0"/>
+                      </a:endParaRPr>
+                    </a:p>
+                  </a:txBody>
+                  <a:tcPr marL="48662" marR="48662" marT="0" marB="0"/>
+                </a:tc>
+              </a:tr>
+              <a:tr h="1132265">
+                <a:tc>
+                  <a:txBody>
+                    <a:bodyPr/>
+                    <a:lstStyle/>
+                    <a:p>
+                      <a:pPr marL="0" marR="0" algn="l">
+                        <a:spcBef>
+                          <a:spcPts val="0"/>
+                        </a:spcBef>
+                        <a:spcAft>
+                          <a:spcPts val="0"/>
+                        </a:spcAft>
+                      </a:pPr>
+                      <a:r>
+                        <a:rPr lang="en-US" sz="1400" kern="0">
+                          <a:effectLst/>
+                        </a:rPr>
+                        <a:t>2</a:t>
+                      </a:r>
+                      <a:endParaRPr lang="en-US" sz="1400" kern="100">
+                        <a:effectLst/>
+                        <a:latin typeface="DengXian" charset="-122"/>
+                        <a:ea typeface="DengXian" charset="-122"/>
+                        <a:cs typeface="Times New Roman" charset="0"/>
+                      </a:endParaRPr>
+                    </a:p>
+                  </a:txBody>
+                  <a:tcPr marL="48662" marR="48662" marT="0" marB="0"/>
+                </a:tc>
+                <a:tc>
+                  <a:txBody>
+                    <a:bodyPr/>
+                    <a:lstStyle/>
+                    <a:p>
+                      <a:pPr marL="0" marR="0" algn="l">
+                        <a:spcBef>
+                          <a:spcPts val="0"/>
+                        </a:spcBef>
+                        <a:spcAft>
+                          <a:spcPts val="0"/>
+                        </a:spcAft>
+                      </a:pPr>
+                      <a:r>
+                        <a:rPr lang="en-US" sz="1400" kern="0">
+                          <a:effectLst/>
+                        </a:rPr>
+                        <a:t>User upload the configuration file that contains an agent which is out of the region</a:t>
+                      </a:r>
+                      <a:endParaRPr lang="en-US" sz="1400" kern="100">
+                        <a:effectLst/>
+                        <a:latin typeface="DengXian" charset="-122"/>
+                        <a:ea typeface="DengXian" charset="-122"/>
+                        <a:cs typeface="Times New Roman" charset="0"/>
+                      </a:endParaRPr>
+                    </a:p>
+                  </a:txBody>
+                  <a:tcPr marL="48662" marR="48662" marT="0" marB="0"/>
+                </a:tc>
+                <a:tc>
+                  <a:txBody>
+                    <a:bodyPr/>
+                    <a:lstStyle/>
+                    <a:p>
+                      <a:pPr marL="0" marR="0" algn="l">
+                        <a:spcBef>
+                          <a:spcPts val="0"/>
+                        </a:spcBef>
+                        <a:spcAft>
+                          <a:spcPts val="0"/>
+                        </a:spcAft>
+                      </a:pPr>
+                      <a:r>
+                        <a:rPr lang="en-US" sz="1400" kern="0">
+                          <a:effectLst/>
+                        </a:rPr>
+                        <a:t>Configuration file that contains an agent which is out of the region</a:t>
+                      </a:r>
+                      <a:endParaRPr lang="en-US" sz="1400" kern="100">
+                        <a:effectLst/>
+                        <a:latin typeface="DengXian" charset="-122"/>
+                        <a:ea typeface="DengXian" charset="-122"/>
+                        <a:cs typeface="Times New Roman" charset="0"/>
+                      </a:endParaRPr>
+                    </a:p>
+                  </a:txBody>
+                  <a:tcPr marL="48662" marR="48662" marT="0" marB="0"/>
+                </a:tc>
+                <a:tc>
+                  <a:txBody>
+                    <a:bodyPr/>
+                    <a:lstStyle/>
+                    <a:p>
+                      <a:pPr marL="0" marR="0" algn="l">
+                        <a:spcBef>
+                          <a:spcPts val="0"/>
+                        </a:spcBef>
+                        <a:spcAft>
+                          <a:spcPts val="0"/>
+                        </a:spcAft>
+                      </a:pPr>
+                      <a:r>
+                        <a:rPr lang="en-US" sz="1400" kern="0" dirty="0">
+                          <a:effectLst/>
+                        </a:rPr>
+                        <a:t>Prompt that an agent is out of the region and show the coordinates of this agent</a:t>
+                      </a:r>
+                      <a:endParaRPr lang="en-US" sz="1400" kern="100" dirty="0">
+                        <a:effectLst/>
+                        <a:latin typeface="DengXian" charset="-122"/>
+                        <a:ea typeface="DengXian" charset="-122"/>
+                        <a:cs typeface="Times New Roman" charset="0"/>
+                      </a:endParaRPr>
+                    </a:p>
+                  </a:txBody>
+                  <a:tcPr marL="48662" marR="48662" marT="0" marB="0"/>
+                </a:tc>
+              </a:tr>
+              <a:tr h="1132265">
+                <a:tc>
+                  <a:txBody>
+                    <a:bodyPr/>
+                    <a:lstStyle/>
+                    <a:p>
+                      <a:pPr marL="0" marR="0" algn="l">
+                        <a:spcBef>
+                          <a:spcPts val="0"/>
+                        </a:spcBef>
+                        <a:spcAft>
+                          <a:spcPts val="0"/>
+                        </a:spcAft>
+                      </a:pPr>
+                      <a:r>
+                        <a:rPr lang="en-US" sz="1400" kern="0" dirty="0">
+                          <a:effectLst/>
+                        </a:rPr>
+                        <a:t>3</a:t>
+                      </a:r>
+                      <a:endParaRPr lang="en-US" sz="1400" kern="100" dirty="0">
+                        <a:effectLst/>
+                        <a:latin typeface="DengXian" charset="-122"/>
+                        <a:ea typeface="DengXian" charset="-122"/>
+                        <a:cs typeface="Times New Roman" charset="0"/>
+                      </a:endParaRPr>
+                    </a:p>
+                  </a:txBody>
+                  <a:tcPr marL="48662" marR="48662" marT="0" marB="0"/>
+                </a:tc>
+                <a:tc>
+                  <a:txBody>
+                    <a:bodyPr/>
+                    <a:lstStyle/>
+                    <a:p>
+                      <a:pPr marL="0" marR="0" algn="l">
+                        <a:spcBef>
+                          <a:spcPts val="0"/>
+                        </a:spcBef>
+                        <a:spcAft>
+                          <a:spcPts val="0"/>
+                        </a:spcAft>
+                      </a:pPr>
+                      <a:r>
+                        <a:rPr lang="en-US" sz="1400" kern="0" dirty="0">
+                          <a:effectLst/>
+                        </a:rPr>
+                        <a:t>User upload the configuration file that contains a region which is out of the environment</a:t>
+                      </a:r>
+                      <a:endParaRPr lang="en-US" sz="1400" kern="100" dirty="0">
+                        <a:effectLst/>
+                        <a:latin typeface="DengXian" charset="-122"/>
+                        <a:ea typeface="DengXian" charset="-122"/>
+                        <a:cs typeface="Times New Roman" charset="0"/>
+                      </a:endParaRPr>
+                    </a:p>
+                  </a:txBody>
+                  <a:tcPr marL="48662" marR="48662" marT="0" marB="0"/>
+                </a:tc>
+                <a:tc>
+                  <a:txBody>
+                    <a:bodyPr/>
+                    <a:lstStyle/>
+                    <a:p>
+                      <a:pPr marL="0" marR="0" algn="l">
+                        <a:spcBef>
+                          <a:spcPts val="0"/>
+                        </a:spcBef>
+                        <a:spcAft>
+                          <a:spcPts val="0"/>
+                        </a:spcAft>
+                      </a:pPr>
+                      <a:r>
+                        <a:rPr lang="en-US" sz="1400" kern="0">
+                          <a:effectLst/>
+                        </a:rPr>
+                        <a:t>Configuration file that contains a region which is out of the environment</a:t>
+                      </a:r>
+                      <a:endParaRPr lang="en-US" sz="1400" kern="100">
+                        <a:effectLst/>
+                        <a:latin typeface="DengXian" charset="-122"/>
+                        <a:ea typeface="DengXian" charset="-122"/>
+                        <a:cs typeface="Times New Roman" charset="0"/>
+                      </a:endParaRPr>
+                    </a:p>
+                  </a:txBody>
+                  <a:tcPr marL="48662" marR="48662" marT="0" marB="0"/>
+                </a:tc>
+                <a:tc>
+                  <a:txBody>
+                    <a:bodyPr/>
+                    <a:lstStyle/>
+                    <a:p>
+                      <a:pPr marL="0" marR="0" algn="l">
+                        <a:spcBef>
+                          <a:spcPts val="0"/>
+                        </a:spcBef>
+                        <a:spcAft>
+                          <a:spcPts val="0"/>
+                        </a:spcAft>
+                      </a:pPr>
+                      <a:r>
+                        <a:rPr lang="en-US" sz="1400" kern="0">
+                          <a:effectLst/>
+                        </a:rPr>
+                        <a:t>Prompt that a region is out of the environment and show the id of this region</a:t>
+                      </a:r>
+                      <a:endParaRPr lang="en-US" sz="1400" kern="100">
+                        <a:effectLst/>
+                        <a:latin typeface="DengXian" charset="-122"/>
+                        <a:ea typeface="DengXian" charset="-122"/>
+                        <a:cs typeface="Times New Roman" charset="0"/>
+                      </a:endParaRPr>
+                    </a:p>
+                  </a:txBody>
+                  <a:tcPr marL="48662" marR="48662" marT="0" marB="0"/>
+                </a:tc>
+              </a:tr>
+              <a:tr h="846170">
+                <a:tc>
+                  <a:txBody>
+                    <a:bodyPr/>
+                    <a:lstStyle/>
+                    <a:p>
+                      <a:pPr marL="0" marR="0" algn="l">
+                        <a:spcBef>
+                          <a:spcPts val="0"/>
+                        </a:spcBef>
+                        <a:spcAft>
+                          <a:spcPts val="0"/>
+                        </a:spcAft>
+                      </a:pPr>
+                      <a:r>
+                        <a:rPr lang="en-US" sz="1400" kern="0">
+                          <a:effectLst/>
+                        </a:rPr>
+                        <a:t>4</a:t>
+                      </a:r>
+                      <a:endParaRPr lang="en-US" sz="1400" kern="100">
+                        <a:effectLst/>
+                        <a:latin typeface="DengXian" charset="-122"/>
+                        <a:ea typeface="DengXian" charset="-122"/>
+                        <a:cs typeface="Times New Roman" charset="0"/>
+                      </a:endParaRPr>
+                    </a:p>
+                  </a:txBody>
+                  <a:tcPr marL="48662" marR="48662" marT="0" marB="0"/>
+                </a:tc>
+                <a:tc>
+                  <a:txBody>
+                    <a:bodyPr/>
+                    <a:lstStyle/>
+                    <a:p>
+                      <a:pPr marL="0" marR="0" algn="l">
+                        <a:spcBef>
+                          <a:spcPts val="0"/>
+                        </a:spcBef>
+                        <a:spcAft>
+                          <a:spcPts val="0"/>
+                        </a:spcAft>
+                      </a:pPr>
+                      <a:r>
+                        <a:rPr lang="en-US" sz="1400" kern="0">
+                          <a:effectLst/>
+                        </a:rPr>
+                        <a:t>User upload the configuration file that contains two joint regions</a:t>
+                      </a:r>
+                      <a:endParaRPr lang="en-US" sz="1400" kern="100">
+                        <a:effectLst/>
+                        <a:latin typeface="DengXian" charset="-122"/>
+                        <a:ea typeface="DengXian" charset="-122"/>
+                        <a:cs typeface="Times New Roman" charset="0"/>
+                      </a:endParaRPr>
+                    </a:p>
+                  </a:txBody>
+                  <a:tcPr marL="48662" marR="48662" marT="0" marB="0"/>
+                </a:tc>
+                <a:tc>
+                  <a:txBody>
+                    <a:bodyPr/>
+                    <a:lstStyle/>
+                    <a:p>
+                      <a:pPr marL="0" marR="0" algn="l">
+                        <a:spcBef>
+                          <a:spcPts val="0"/>
+                        </a:spcBef>
+                        <a:spcAft>
+                          <a:spcPts val="0"/>
+                        </a:spcAft>
+                      </a:pPr>
+                      <a:r>
+                        <a:rPr lang="en-US" sz="1400" kern="0">
+                          <a:effectLst/>
+                        </a:rPr>
+                        <a:t>Configuration file that contains two joint regions</a:t>
+                      </a:r>
+                      <a:endParaRPr lang="en-US" sz="1400" kern="100">
+                        <a:effectLst/>
+                        <a:latin typeface="DengXian" charset="-122"/>
+                        <a:ea typeface="DengXian" charset="-122"/>
+                        <a:cs typeface="Times New Roman" charset="0"/>
+                      </a:endParaRPr>
+                    </a:p>
+                  </a:txBody>
+                  <a:tcPr marL="48662" marR="48662" marT="0" marB="0"/>
+                </a:tc>
+                <a:tc>
+                  <a:txBody>
+                    <a:bodyPr/>
+                    <a:lstStyle/>
+                    <a:p>
+                      <a:pPr marL="0" marR="0" algn="l">
+                        <a:spcBef>
+                          <a:spcPts val="0"/>
+                        </a:spcBef>
+                        <a:spcAft>
+                          <a:spcPts val="0"/>
+                        </a:spcAft>
+                      </a:pPr>
+                      <a:r>
+                        <a:rPr lang="en-US" sz="1400" kern="0">
+                          <a:effectLst/>
+                        </a:rPr>
+                        <a:t>Prompt that there are two joint regions and show the ids of these regions</a:t>
+                      </a:r>
+                      <a:endParaRPr lang="en-US" sz="1400" kern="100">
+                        <a:effectLst/>
+                        <a:latin typeface="DengXian" charset="-122"/>
+                        <a:ea typeface="DengXian" charset="-122"/>
+                        <a:cs typeface="Times New Roman" charset="0"/>
+                      </a:endParaRPr>
+                    </a:p>
+                  </a:txBody>
+                  <a:tcPr marL="48662" marR="48662" marT="0" marB="0"/>
+                </a:tc>
+              </a:tr>
+              <a:tr h="970512">
+                <a:tc>
+                  <a:txBody>
+                    <a:bodyPr/>
+                    <a:lstStyle/>
+                    <a:p>
+                      <a:pPr marL="0" marR="0" algn="l">
+                        <a:spcBef>
+                          <a:spcPts val="0"/>
+                        </a:spcBef>
+                        <a:spcAft>
+                          <a:spcPts val="0"/>
+                        </a:spcAft>
+                      </a:pPr>
+                      <a:r>
+                        <a:rPr lang="en-US" sz="1400" kern="0">
+                          <a:effectLst/>
+                        </a:rPr>
+                        <a:t>6</a:t>
+                      </a:r>
+                      <a:endParaRPr lang="en-US" sz="1400" kern="100">
+                        <a:effectLst/>
+                        <a:latin typeface="DengXian" charset="-122"/>
+                        <a:ea typeface="DengXian" charset="-122"/>
+                        <a:cs typeface="Times New Roman" charset="0"/>
+                      </a:endParaRPr>
+                    </a:p>
+                  </a:txBody>
+                  <a:tcPr marL="48662" marR="48662" marT="0" marB="0"/>
+                </a:tc>
+                <a:tc>
+                  <a:txBody>
+                    <a:bodyPr/>
+                    <a:lstStyle/>
+                    <a:p>
+                      <a:pPr marL="0" marR="0" algn="l">
+                        <a:spcBef>
+                          <a:spcPts val="0"/>
+                        </a:spcBef>
+                        <a:spcAft>
+                          <a:spcPts val="0"/>
+                        </a:spcAft>
+                      </a:pPr>
+                      <a:r>
+                        <a:rPr lang="en-US" sz="1400" kern="0">
+                          <a:effectLst/>
+                        </a:rPr>
+                        <a:t>User upload the configuration file that contains an isolate open space</a:t>
+                      </a:r>
+                      <a:endParaRPr lang="en-US" sz="1400" kern="100">
+                        <a:effectLst/>
+                        <a:latin typeface="DengXian" charset="-122"/>
+                        <a:ea typeface="DengXian" charset="-122"/>
+                        <a:cs typeface="Times New Roman" charset="0"/>
+                      </a:endParaRPr>
+                    </a:p>
+                  </a:txBody>
+                  <a:tcPr marL="48662" marR="48662" marT="0" marB="0"/>
+                </a:tc>
+                <a:tc>
+                  <a:txBody>
+                    <a:bodyPr/>
+                    <a:lstStyle/>
+                    <a:p>
+                      <a:pPr marL="0" marR="0" algn="l">
+                        <a:spcBef>
+                          <a:spcPts val="0"/>
+                        </a:spcBef>
+                        <a:spcAft>
+                          <a:spcPts val="0"/>
+                        </a:spcAft>
+                      </a:pPr>
+                      <a:r>
+                        <a:rPr lang="en-US" sz="1400" kern="0">
+                          <a:effectLst/>
+                        </a:rPr>
+                        <a:t>Configuration file that contains an isolate open space</a:t>
+                      </a:r>
+                      <a:endParaRPr lang="en-US" sz="1400" kern="100">
+                        <a:effectLst/>
+                        <a:latin typeface="DengXian" charset="-122"/>
+                        <a:ea typeface="DengXian" charset="-122"/>
+                        <a:cs typeface="Times New Roman" charset="0"/>
+                      </a:endParaRPr>
+                    </a:p>
+                  </a:txBody>
+                  <a:tcPr marL="48662" marR="48662" marT="0" marB="0"/>
+                </a:tc>
+                <a:tc>
+                  <a:txBody>
+                    <a:bodyPr/>
+                    <a:lstStyle/>
+                    <a:p>
+                      <a:pPr marL="0" marR="0" algn="l">
+                        <a:spcBef>
+                          <a:spcPts val="0"/>
+                        </a:spcBef>
+                        <a:spcAft>
+                          <a:spcPts val="0"/>
+                        </a:spcAft>
+                      </a:pPr>
+                      <a:r>
+                        <a:rPr lang="en-US" sz="1400" kern="0">
+                          <a:effectLst/>
+                        </a:rPr>
+                        <a:t>Prompt that there is an isolate open space and show the coordinates of the open space</a:t>
+                      </a:r>
+                      <a:endParaRPr lang="en-US" sz="1400" kern="100">
+                        <a:effectLst/>
+                        <a:latin typeface="DengXian" charset="-122"/>
+                        <a:ea typeface="DengXian" charset="-122"/>
+                        <a:cs typeface="Times New Roman" charset="0"/>
+                      </a:endParaRPr>
+                    </a:p>
+                  </a:txBody>
+                  <a:tcPr marL="48662" marR="48662" marT="0" marB="0"/>
+                </a:tc>
+              </a:tr>
+              <a:tr h="970512">
+                <a:tc>
+                  <a:txBody>
+                    <a:bodyPr/>
+                    <a:lstStyle/>
+                    <a:p>
+                      <a:pPr marL="0" marR="0" algn="l">
+                        <a:spcBef>
+                          <a:spcPts val="0"/>
+                        </a:spcBef>
+                        <a:spcAft>
+                          <a:spcPts val="0"/>
+                        </a:spcAft>
+                      </a:pPr>
+                      <a:r>
+                        <a:rPr lang="en-US" sz="1400" kern="0">
+                          <a:effectLst/>
+                        </a:rPr>
+                        <a:t>7</a:t>
+                      </a:r>
+                      <a:endParaRPr lang="en-US" sz="1400" kern="100">
+                        <a:effectLst/>
+                        <a:latin typeface="DengXian" charset="-122"/>
+                        <a:ea typeface="DengXian" charset="-122"/>
+                        <a:cs typeface="Times New Roman" charset="0"/>
+                      </a:endParaRPr>
+                    </a:p>
+                  </a:txBody>
+                  <a:tcPr marL="48662" marR="48662" marT="0" marB="0"/>
+                </a:tc>
+                <a:tc>
+                  <a:txBody>
+                    <a:bodyPr/>
+                    <a:lstStyle/>
+                    <a:p>
+                      <a:pPr marL="0" marR="0" algn="l">
+                        <a:spcBef>
+                          <a:spcPts val="0"/>
+                        </a:spcBef>
+                        <a:spcAft>
+                          <a:spcPts val="0"/>
+                        </a:spcAft>
+                      </a:pPr>
+                      <a:r>
+                        <a:rPr lang="en-US" sz="1400" kern="0" dirty="0">
+                          <a:effectLst/>
+                        </a:rPr>
+                        <a:t>User upload the configuration file that contains a region with no agent</a:t>
+                      </a:r>
+                      <a:endParaRPr lang="en-US" sz="1400" kern="100" dirty="0">
+                        <a:effectLst/>
+                        <a:latin typeface="DengXian" charset="-122"/>
+                        <a:ea typeface="DengXian" charset="-122"/>
+                        <a:cs typeface="Times New Roman" charset="0"/>
+                      </a:endParaRPr>
+                    </a:p>
+                  </a:txBody>
+                  <a:tcPr marL="48662" marR="48662" marT="0" marB="0"/>
+                </a:tc>
+                <a:tc>
+                  <a:txBody>
+                    <a:bodyPr/>
+                    <a:lstStyle/>
+                    <a:p>
+                      <a:pPr marL="0" marR="0" algn="l">
+                        <a:spcBef>
+                          <a:spcPts val="0"/>
+                        </a:spcBef>
+                        <a:spcAft>
+                          <a:spcPts val="0"/>
+                        </a:spcAft>
+                      </a:pPr>
+                      <a:r>
+                        <a:rPr lang="en-US" sz="1400" kern="0" dirty="0">
+                          <a:effectLst/>
+                        </a:rPr>
+                        <a:t>Configuration file that contains a region with no agent</a:t>
+                      </a:r>
+                      <a:endParaRPr lang="en-US" sz="1400" kern="100" dirty="0">
+                        <a:effectLst/>
+                        <a:latin typeface="DengXian" charset="-122"/>
+                        <a:ea typeface="DengXian" charset="-122"/>
+                        <a:cs typeface="Times New Roman" charset="0"/>
+                      </a:endParaRPr>
+                    </a:p>
+                  </a:txBody>
+                  <a:tcPr marL="48662" marR="48662" marT="0" marB="0"/>
+                </a:tc>
+                <a:tc>
+                  <a:txBody>
+                    <a:bodyPr/>
+                    <a:lstStyle/>
+                    <a:p>
+                      <a:pPr marL="0" marR="0" algn="l">
+                        <a:spcBef>
+                          <a:spcPts val="0"/>
+                        </a:spcBef>
+                        <a:spcAft>
+                          <a:spcPts val="0"/>
+                        </a:spcAft>
+                      </a:pPr>
+                      <a:r>
+                        <a:rPr lang="en-US" sz="1400" kern="0" dirty="0">
+                          <a:effectLst/>
+                        </a:rPr>
+                        <a:t>Prompt that there is a region with no agent and show the coordinates of this agent</a:t>
+                      </a:r>
+                      <a:endParaRPr lang="en-US" sz="1400" kern="100" dirty="0">
+                        <a:effectLst/>
+                        <a:latin typeface="DengXian" charset="-122"/>
+                        <a:ea typeface="DengXian" charset="-122"/>
+                        <a:cs typeface="Times New Roman" charset="0"/>
+                      </a:endParaRPr>
+                    </a:p>
+                  </a:txBody>
+                  <a:tcPr marL="48662" marR="48662" marT="0" marB="0"/>
+                </a:tc>
+              </a:tr>
+            </a:tbl>
+          </a:graphicData>
+        </a:graphic>
+      </p:graphicFrame>
     </p:spTree>
     <p:extLst>
       <p:ext uri="{BB962C8B-B14F-4D97-AF65-F5344CB8AC3E}">
-        <p14:creationId xmlns:p14="http://schemas.microsoft.com/office/powerpoint/2010/main" val="1270297386"/>
+        <p14:creationId xmlns:p14="http://schemas.microsoft.com/office/powerpoint/2010/main" val="1358060501"/>
       </p:ext>
     </p:extLst>
   </p:cSld>

--- a/documents/set6/Presentation6.pptx
+++ b/documents/set6/Presentation6.pptx
@@ -204,7 +204,7 @@
           <a:p>
             <a:fld id="{C0AED64A-89A2-1845-94B4-78B0A7881D57}" type="datetimeFigureOut">
               <a:rPr lang="en-US" smtClean="0"/>
-              <a:t>4/24/17</a:t>
+              <a:t>4/25/17</a:t>
             </a:fld>
             <a:endParaRPr lang="en-US"/>
           </a:p>
@@ -698,7 +698,7 @@
           <a:p>
             <a:fld id="{963A6DA3-65F6-4E49-B61A-8E754A74EAC1}" type="datetimeFigureOut">
               <a:rPr lang="en-US" smtClean="0"/>
-              <a:t>4/24/17</a:t>
+              <a:t>4/25/17</a:t>
             </a:fld>
             <a:endParaRPr lang="en-US"/>
           </a:p>
@@ -901,7 +901,7 @@
           <a:p>
             <a:fld id="{963A6DA3-65F6-4E49-B61A-8E754A74EAC1}" type="datetimeFigureOut">
               <a:rPr lang="en-US" smtClean="0"/>
-              <a:t>4/24/17</a:t>
+              <a:t>4/25/17</a:t>
             </a:fld>
             <a:endParaRPr lang="en-US"/>
           </a:p>
@@ -1152,7 +1152,7 @@
           <a:p>
             <a:fld id="{963A6DA3-65F6-4E49-B61A-8E754A74EAC1}" type="datetimeFigureOut">
               <a:rPr lang="en-US" smtClean="0"/>
-              <a:t>4/24/17</a:t>
+              <a:t>4/25/17</a:t>
             </a:fld>
             <a:endParaRPr lang="en-US"/>
           </a:p>
@@ -1321,7 +1321,7 @@
           <a:p>
             <a:fld id="{963A6DA3-65F6-4E49-B61A-8E754A74EAC1}" type="datetimeFigureOut">
               <a:rPr lang="en-US" smtClean="0"/>
-              <a:t>4/24/17</a:t>
+              <a:t>4/25/17</a:t>
             </a:fld>
             <a:endParaRPr lang="en-US"/>
           </a:p>
@@ -1659,7 +1659,7 @@
           <a:p>
             <a:fld id="{963A6DA3-65F6-4E49-B61A-8E754A74EAC1}" type="datetimeFigureOut">
               <a:rPr lang="en-US" smtClean="0"/>
-              <a:t>4/24/17</a:t>
+              <a:t>4/25/17</a:t>
             </a:fld>
             <a:endParaRPr lang="en-US"/>
           </a:p>
@@ -1929,7 +1929,7 @@
           <a:p>
             <a:fld id="{963A6DA3-65F6-4E49-B61A-8E754A74EAC1}" type="datetimeFigureOut">
               <a:rPr lang="en-US" smtClean="0"/>
-              <a:t>4/24/17</a:t>
+              <a:t>4/25/17</a:t>
             </a:fld>
             <a:endParaRPr lang="en-US"/>
           </a:p>
@@ -2303,7 +2303,7 @@
           <a:p>
             <a:fld id="{963A6DA3-65F6-4E49-B61A-8E754A74EAC1}" type="datetimeFigureOut">
               <a:rPr lang="en-US" smtClean="0"/>
-              <a:t>4/24/17</a:t>
+              <a:t>4/25/17</a:t>
             </a:fld>
             <a:endParaRPr lang="en-US"/>
           </a:p>
@@ -2416,7 +2416,7 @@
           <a:p>
             <a:fld id="{963A6DA3-65F6-4E49-B61A-8E754A74EAC1}" type="datetimeFigureOut">
               <a:rPr lang="en-US" smtClean="0"/>
-              <a:t>4/24/17</a:t>
+              <a:t>4/25/17</a:t>
             </a:fld>
             <a:endParaRPr lang="en-US"/>
           </a:p>
@@ -2582,7 +2582,7 @@
           <a:p>
             <a:fld id="{963A6DA3-65F6-4E49-B61A-8E754A74EAC1}" type="datetimeFigureOut">
               <a:rPr lang="en-US" smtClean="0"/>
-              <a:t>4/24/17</a:t>
+              <a:t>4/25/17</a:t>
             </a:fld>
             <a:endParaRPr lang="en-US"/>
           </a:p>
@@ -2931,7 +2931,7 @@
           <a:p>
             <a:fld id="{963A6DA3-65F6-4E49-B61A-8E754A74EAC1}" type="datetimeFigureOut">
               <a:rPr lang="en-US" smtClean="0"/>
-              <a:t>4/24/17</a:t>
+              <a:t>4/25/17</a:t>
             </a:fld>
             <a:endParaRPr lang="en-US"/>
           </a:p>
@@ -3305,7 +3305,7 @@
           <a:p>
             <a:fld id="{963A6DA3-65F6-4E49-B61A-8E754A74EAC1}" type="datetimeFigureOut">
               <a:rPr lang="en-US" smtClean="0"/>
-              <a:t>4/24/17</a:t>
+              <a:t>4/25/17</a:t>
             </a:fld>
             <a:endParaRPr lang="en-US"/>
           </a:p>
@@ -3592,7 +3592,7 @@
           <a:p>
             <a:fld id="{963A6DA3-65F6-4E49-B61A-8E754A74EAC1}" type="datetimeFigureOut">
               <a:rPr lang="en-US" smtClean="0"/>
-              <a:t>4/24/17</a:t>
+              <a:t>4/25/17</a:t>
             </a:fld>
             <a:endParaRPr lang="en-US"/>
           </a:p>
@@ -4488,7 +4488,15 @@
             </a:pPr>
             <a:r>
               <a:rPr lang="en-US" dirty="0" smtClean="0"/>
-              <a:t>  Fix the target list in graph view.</a:t>
+              <a:t>  Fix the </a:t>
+            </a:r>
+            <a:r>
+              <a:rPr lang="en-US" dirty="0" smtClean="0"/>
+              <a:t>“current target” in </a:t>
+            </a:r>
+            <a:r>
+              <a:rPr lang="en-US" dirty="0" smtClean="0"/>
+              <a:t>graph view.</a:t>
             </a:r>
           </a:p>
           <a:p>
@@ -4556,14 +4564,10 @@
             </a:r>
             <a:r>
               <a:rPr lang="en-US" altLang="zh-CN" dirty="0"/>
-              <a:t>testing file </a:t>
-            </a:r>
-            <a:r>
-              <a:rPr lang="en-US" altLang="zh-CN"/>
-              <a:t>is </a:t>
-            </a:r>
-            <a:r>
-              <a:rPr lang="en-US" altLang="zh-CN" smtClean="0"/>
+              <a:t>testing file is </a:t>
+            </a:r>
+            <a:r>
+              <a:rPr lang="en-US" altLang="zh-CN" dirty="0" smtClean="0"/>
               <a:t>integrated.</a:t>
             </a:r>
             <a:endParaRPr lang="en-US" dirty="0"/>
@@ -4662,6 +4666,7 @@
               <a:rPr lang="en-US" dirty="0"/>
               <a:t>Load environment file </a:t>
             </a:r>
+            <a:endParaRPr lang="en-US" dirty="0" smtClean="0"/>
           </a:p>
           <a:p>
             <a:pPr lvl="1">
@@ -4670,9 +4675,13 @@
             </a:pPr>
             <a:r>
               <a:rPr lang="en-US" dirty="0"/>
-              <a:t>Filter historical runs of the algorithm </a:t>
-            </a:r>
-            <a:endParaRPr lang="en-US" dirty="0" smtClean="0"/>
+              <a:t>Execute the algorithm step by step or for a fixed number of steps</a:t>
+            </a:r>
+            <a:r>
+              <a:rPr lang="en-US" dirty="0"/>
+              <a:t> </a:t>
+            </a:r>
+            <a:endParaRPr lang="en-US" dirty="0"/>
           </a:p>
           <a:p>
             <a:pPr lvl="1">
@@ -4680,8 +4689,12 @@
               <a:buChar char="o"/>
             </a:pPr>
             <a:r>
+              <a:rPr lang="en-US" dirty="0" smtClean="0"/>
+              <a:t>View </a:t>
+            </a:r>
+            <a:r>
               <a:rPr lang="en-US" dirty="0"/>
-              <a:t>View the target list in Graph view </a:t>
+              <a:t>the target list in Graph view </a:t>
             </a:r>
             <a:endParaRPr lang="en-US" dirty="0" smtClean="0"/>
           </a:p>
@@ -4944,7 +4957,7 @@
           <p:nvPr>
             <p:extLst>
               <p:ext uri="{D42A27DB-BD31-4B8C-83A1-F6EECF244321}">
-                <p14:modId xmlns:p14="http://schemas.microsoft.com/office/powerpoint/2010/main" val="1258375072"/>
+                <p14:modId xmlns:p14="http://schemas.microsoft.com/office/powerpoint/2010/main" val="1888111322"/>
               </p:ext>
             </p:extLst>
           </p:nvPr>
@@ -5985,7 +5998,7 @@
                         </a:spcAft>
                       </a:pPr>
                       <a:r>
-                        <a:rPr lang="en-US" sz="1400" b="0" kern="0">
+                        <a:rPr lang="en-US" sz="1400" b="0" kern="0" dirty="0">
                           <a:solidFill>
                             <a:srgbClr val="000000"/>
                           </a:solidFill>
@@ -5994,9 +6007,9 @@
                           <a:ea typeface="Times New Roman" charset="0"/>
                           <a:cs typeface="Times New Roman" charset="0"/>
                         </a:rPr>
-                        <a:t>6</a:t>
-                      </a:r>
-                      <a:endParaRPr lang="en-US" sz="1400" b="0" kern="100">
+                        <a:t>5</a:t>
+                      </a:r>
+                      <a:endParaRPr lang="en-US" sz="1400" b="0" kern="100" dirty="0">
                         <a:effectLst/>
                         <a:latin typeface="+mn-lt"/>
                         <a:ea typeface="宋体" charset="-122"/>
@@ -7999,15 +8012,7 @@
                   <a:srgbClr val="FFFFFF"/>
                 </a:solidFill>
               </a:rPr>
-              <a:t>Sprint Task </a:t>
-            </a:r>
-            <a:r>
-              <a:rPr lang="en-US" altLang="zh-CN" sz="3600" dirty="0" smtClean="0">
-                <a:solidFill>
-                  <a:srgbClr val="FFFFFF"/>
-                </a:solidFill>
-              </a:rPr>
-              <a:t>38</a:t>
+              <a:t>Sprint Task 38</a:t>
             </a:r>
             <a:endParaRPr lang="en-US" sz="3600" dirty="0">
               <a:solidFill>
@@ -8812,15 +8817,7 @@
                   <a:srgbClr val="FFFFFF"/>
                 </a:solidFill>
               </a:rPr>
-              <a:t>Sprint Task </a:t>
-            </a:r>
-            <a:r>
-              <a:rPr lang="en-US" altLang="zh-CN" sz="3600" dirty="0" smtClean="0">
-                <a:solidFill>
-                  <a:srgbClr val="FFFFFF"/>
-                </a:solidFill>
-              </a:rPr>
-              <a:t>40</a:t>
+              <a:t>Sprint Task 40</a:t>
             </a:r>
             <a:endParaRPr lang="en-US" sz="3600" dirty="0">
               <a:solidFill>

--- a/documents/set6/Presentation6.pptx
+++ b/documents/set6/Presentation6.pptx
@@ -470,6 +470,90 @@
     </a:lvl9pPr>
   </p:notesStyle>
 </p:notesMaster>
+</file>
+
+<file path=ppt/notesSlides/notesSlide1.xml><?xml version="1.0" encoding="utf-8"?>
+<p:notes xmlns:a="http://schemas.openxmlformats.org/drawingml/2006/main" xmlns:r="http://schemas.openxmlformats.org/officeDocument/2006/relationships" xmlns:p="http://schemas.openxmlformats.org/presentationml/2006/main">
+  <p:cSld>
+    <p:spTree>
+      <p:nvGrpSpPr>
+        <p:cNvPr id="1" name=""/>
+        <p:cNvGrpSpPr/>
+        <p:nvPr/>
+      </p:nvGrpSpPr>
+      <p:grpSpPr>
+        <a:xfrm>
+          <a:off x="0" y="0"/>
+          <a:ext cx="0" cy="0"/>
+          <a:chOff x="0" y="0"/>
+          <a:chExt cx="0" cy="0"/>
+        </a:xfrm>
+      </p:grpSpPr>
+      <p:sp>
+        <p:nvSpPr>
+          <p:cNvPr id="2" name="Slide Image Placeholder 1"/>
+          <p:cNvSpPr>
+            <a:spLocks noGrp="1" noRot="1" noChangeAspect="1"/>
+          </p:cNvSpPr>
+          <p:nvPr>
+            <p:ph type="sldImg"/>
+          </p:nvPr>
+        </p:nvSpPr>
+        <p:spPr/>
+      </p:sp>
+      <p:sp>
+        <p:nvSpPr>
+          <p:cNvPr id="3" name="Notes Placeholder 2"/>
+          <p:cNvSpPr>
+            <a:spLocks noGrp="1"/>
+          </p:cNvSpPr>
+          <p:nvPr>
+            <p:ph type="body" idx="1"/>
+          </p:nvPr>
+        </p:nvSpPr>
+        <p:spPr/>
+        <p:txBody>
+          <a:bodyPr/>
+          <a:lstStyle/>
+          <a:p>
+            <a:endParaRPr lang="en-US" dirty="0"/>
+          </a:p>
+        </p:txBody>
+      </p:sp>
+      <p:sp>
+        <p:nvSpPr>
+          <p:cNvPr id="4" name="Slide Number Placeholder 3"/>
+          <p:cNvSpPr>
+            <a:spLocks noGrp="1"/>
+          </p:cNvSpPr>
+          <p:nvPr>
+            <p:ph type="sldNum" sz="quarter" idx="10"/>
+          </p:nvPr>
+        </p:nvSpPr>
+        <p:spPr/>
+        <p:txBody>
+          <a:bodyPr/>
+          <a:lstStyle/>
+          <a:p>
+            <a:fld id="{08B4C497-BFEE-2146-9E7C-33F4B4F1D76D}" type="slidenum">
+              <a:rPr lang="en-US" smtClean="0"/>
+              <a:t>8</a:t>
+            </a:fld>
+            <a:endParaRPr lang="en-US"/>
+          </a:p>
+        </p:txBody>
+      </p:sp>
+    </p:spTree>
+    <p:extLst>
+      <p:ext uri="{BB962C8B-B14F-4D97-AF65-F5344CB8AC3E}">
+        <p14:creationId xmlns:p14="http://schemas.microsoft.com/office/powerpoint/2010/main" val="1234846807"/>
+      </p:ext>
+    </p:extLst>
+  </p:cSld>
+  <p:clrMapOvr>
+    <a:masterClrMapping/>
+  </p:clrMapOvr>
+</p:notes>
 </file>
 
 <file path=ppt/slideLayouts/slideLayout1.xml><?xml version="1.0" encoding="utf-8"?>
@@ -4488,15 +4572,7 @@
             </a:pPr>
             <a:r>
               <a:rPr lang="en-US" dirty="0" smtClean="0"/>
-              <a:t>  Fix the </a:t>
-            </a:r>
-            <a:r>
-              <a:rPr lang="en-US" dirty="0" smtClean="0"/>
-              <a:t>“current target” in </a:t>
-            </a:r>
-            <a:r>
-              <a:rPr lang="en-US" dirty="0" smtClean="0"/>
-              <a:t>graph view.</a:t>
+              <a:t>  Fix the “current target” in graph view.</a:t>
             </a:r>
           </a:p>
           <a:p>
@@ -4675,13 +4751,8 @@
             </a:pPr>
             <a:r>
               <a:rPr lang="en-US" dirty="0"/>
-              <a:t>Execute the algorithm step by step or for a fixed number of steps</a:t>
-            </a:r>
-            <a:r>
-              <a:rPr lang="en-US" dirty="0"/>
-              <a:t> </a:t>
-            </a:r>
-            <a:endParaRPr lang="en-US" dirty="0"/>
+              <a:t>Execute the algorithm step by step or for a fixed number of steps </a:t>
+            </a:r>
           </a:p>
           <a:p>
             <a:pPr lvl="1">
@@ -8874,7 +8945,7 @@
           <p:nvPr>
             <p:extLst>
               <p:ext uri="{D42A27DB-BD31-4B8C-83A1-F6EECF244321}">
-                <p14:modId xmlns:p14="http://schemas.microsoft.com/office/powerpoint/2010/main" val="892204347"/>
+                <p14:modId xmlns:p14="http://schemas.microsoft.com/office/powerpoint/2010/main" val="2132640153"/>
               </p:ext>
             </p:extLst>
           </p:nvPr>
@@ -9708,8 +9779,36 @@
                         <a:rPr lang="en-US" sz="1400" kern="0" dirty="0">
                           <a:effectLst/>
                         </a:rPr>
-                        <a:t>Prompt that there is a region with no agent and show the coordinates of this agent</a:t>
-                      </a:r>
+                        <a:t>Prompt that there is a region with no agent and show the </a:t>
+                      </a:r>
+                      <a:r>
+                        <a:rPr lang="en-US" sz="1400" kern="0" dirty="0" smtClean="0">
+                          <a:effectLst/>
+                        </a:rPr>
+                        <a:t>id of </a:t>
+                      </a:r>
+                      <a:r>
+                        <a:rPr lang="en-US" sz="1400" kern="0" dirty="0">
+                          <a:effectLst/>
+                        </a:rPr>
+                        <a:t>this </a:t>
+                      </a:r>
+                      <a:r>
+                        <a:rPr lang="en-US" altLang="zh-CN" sz="1400" kern="0" dirty="0" smtClean="0">
+                          <a:effectLst/>
+                        </a:rPr>
+                        <a:t>region</a:t>
+                      </a:r>
+                    </a:p>
+                    <a:p>
+                      <a:pPr marL="0" marR="0" algn="l">
+                        <a:spcBef>
+                          <a:spcPts val="0"/>
+                        </a:spcBef>
+                        <a:spcAft>
+                          <a:spcPts val="0"/>
+                        </a:spcAft>
+                      </a:pPr>
                       <a:endParaRPr lang="en-US" sz="1400" kern="100" dirty="0">
                         <a:effectLst/>
                         <a:latin typeface="DengXian" charset="-122"/>
